--- a/data/ot&env.pptx
+++ b/data/ot&env.pptx
@@ -5,29 +5,42 @@
     <p:sldMasterId id="2147483660" r:id="rId1"/>
   </p:sldMasterIdLst>
   <p:notesMasterIdLst>
-    <p:notesMasterId r:id="rId19"/>
+    <p:notesMasterId r:id="rId32"/>
   </p:notesMasterIdLst>
   <p:handoutMasterIdLst>
-    <p:handoutMasterId r:id="rId20"/>
+    <p:handoutMasterId r:id="rId33"/>
   </p:handoutMasterIdLst>
   <p:sldIdLst>
     <p:sldId id="256" r:id="rId2"/>
     <p:sldId id="257" r:id="rId3"/>
     <p:sldId id="258" r:id="rId4"/>
-    <p:sldId id="259" r:id="rId5"/>
-    <p:sldId id="260" r:id="rId6"/>
-    <p:sldId id="261" r:id="rId7"/>
-    <p:sldId id="264" r:id="rId8"/>
-    <p:sldId id="262" r:id="rId9"/>
-    <p:sldId id="265" r:id="rId10"/>
-    <p:sldId id="266" r:id="rId11"/>
-    <p:sldId id="263" r:id="rId12"/>
-    <p:sldId id="267" r:id="rId13"/>
-    <p:sldId id="268" r:id="rId14"/>
-    <p:sldId id="269" r:id="rId15"/>
-    <p:sldId id="270" r:id="rId16"/>
-    <p:sldId id="271" r:id="rId17"/>
-    <p:sldId id="272" r:id="rId18"/>
+    <p:sldId id="274" r:id="rId5"/>
+    <p:sldId id="259" r:id="rId6"/>
+    <p:sldId id="260" r:id="rId7"/>
+    <p:sldId id="261" r:id="rId8"/>
+    <p:sldId id="264" r:id="rId9"/>
+    <p:sldId id="262" r:id="rId10"/>
+    <p:sldId id="265" r:id="rId11"/>
+    <p:sldId id="266" r:id="rId12"/>
+    <p:sldId id="263" r:id="rId13"/>
+    <p:sldId id="267" r:id="rId14"/>
+    <p:sldId id="268" r:id="rId15"/>
+    <p:sldId id="269" r:id="rId16"/>
+    <p:sldId id="270" r:id="rId17"/>
+    <p:sldId id="271" r:id="rId18"/>
+    <p:sldId id="272" r:id="rId19"/>
+    <p:sldId id="273" r:id="rId20"/>
+    <p:sldId id="281" r:id="rId21"/>
+    <p:sldId id="280" r:id="rId22"/>
+    <p:sldId id="275" r:id="rId23"/>
+    <p:sldId id="276" r:id="rId24"/>
+    <p:sldId id="277" r:id="rId25"/>
+    <p:sldId id="278" r:id="rId26"/>
+    <p:sldId id="282" r:id="rId27"/>
+    <p:sldId id="283" r:id="rId28"/>
+    <p:sldId id="279" r:id="rId29"/>
+    <p:sldId id="284" r:id="rId30"/>
+    <p:sldId id="285" r:id="rId31"/>
   </p:sldIdLst>
   <p:sldSz cx="9144000" cy="6858000" type="screen4x3"/>
   <p:notesSz cx="6865938" cy="9158288"/>
@@ -231,7 +244,7 @@
             <a:fld id="{F2C886A8-3B34-4F59-9996-921328CDA452}" type="datetimeFigureOut">
               <a:rPr lang="ko-KR" altLang="en-US" smtClean="0"/>
               <a:pPr/>
-              <a:t>2017-03-06</a:t>
+              <a:t>2017-03-07</a:t>
             </a:fld>
             <a:endParaRPr lang="ko-KR" altLang="en-US"/>
           </a:p>
@@ -399,7 +412,7 @@
             <a:fld id="{CB35E60D-F1CA-4663-8A94-573EEC285FF9}" type="datetimeFigureOut">
               <a:rPr lang="ko-KR" altLang="en-US" smtClean="0"/>
               <a:pPr/>
-              <a:t>2017-03-06</a:t>
+              <a:t>2017-03-07</a:t>
             </a:fld>
             <a:endParaRPr lang="ko-KR" altLang="en-US"/>
           </a:p>
@@ -4019,16 +4032,27 @@
               <a:t>정보검색 </a:t>
             </a:r>
             <a:r>
-              <a:rPr lang="en-US" altLang="ko-KR" sz="4400" dirty="0"/>
-              <a:t>OT</a:t>
-            </a:r>
-            <a:r>
-              <a:rPr lang="ko-KR" altLang="en-US" sz="4400" dirty="0"/>
+              <a:rPr lang="ko-KR" altLang="en-US" sz="4400" dirty="0" err="1" smtClean="0"/>
+              <a:t>환경세팅</a:t>
+            </a:r>
+            <a:r>
+              <a:rPr lang="en-US" altLang="ko-KR" sz="4400" dirty="0" smtClean="0"/>
+              <a:t/>
+            </a:r>
+            <a:br>
+              <a:rPr lang="en-US" altLang="ko-KR" sz="4400" dirty="0" smtClean="0"/>
+            </a:br>
+            <a:r>
+              <a:rPr lang="ko-KR" altLang="en-US" sz="4400" dirty="0" smtClean="0"/>
               <a:t>및 </a:t>
             </a:r>
             <a:r>
-              <a:rPr lang="ko-KR" altLang="en-US" sz="4400" dirty="0" err="1"/>
-              <a:t>환경세팅</a:t>
+              <a:rPr lang="ko-KR" altLang="en-US" sz="4400" dirty="0" err="1" smtClean="0"/>
+              <a:t>쉘스크립트</a:t>
+            </a:r>
+            <a:r>
+              <a:rPr lang="ko-KR" altLang="en-US" sz="4400" dirty="0" smtClean="0"/>
+              <a:t> 맛보기</a:t>
             </a:r>
             <a:endParaRPr lang="ko-KR" altLang="en-US" sz="4400" dirty="0"/>
           </a:p>
@@ -4141,6 +4165,92 @@
       </p:sp>
       <p:pic>
         <p:nvPicPr>
+          <p:cNvPr id="5" name="내용 개체 틀 4"/>
+          <p:cNvPicPr>
+            <a:picLocks noGrp="1" noChangeAspect="1"/>
+          </p:cNvPicPr>
+          <p:nvPr>
+            <p:ph idx="1"/>
+          </p:nvPr>
+        </p:nvPicPr>
+        <p:blipFill>
+          <a:blip r:embed="rId2"/>
+          <a:stretch>
+            <a:fillRect/>
+          </a:stretch>
+        </p:blipFill>
+        <p:spPr>
+          <a:xfrm>
+            <a:off x="1119187" y="1251744"/>
+            <a:ext cx="6905625" cy="4514850"/>
+          </a:xfrm>
+          <a:prstGeom prst="rect">
+            <a:avLst/>
+          </a:prstGeom>
+        </p:spPr>
+      </p:pic>
+    </p:spTree>
+    <p:extLst>
+      <p:ext uri="{BB962C8B-B14F-4D97-AF65-F5344CB8AC3E}">
+        <p14:creationId xmlns:p14="http://schemas.microsoft.com/office/powerpoint/2010/main" val="3757909070"/>
+      </p:ext>
+    </p:extLst>
+  </p:cSld>
+  <p:clrMapOvr>
+    <a:masterClrMapping/>
+  </p:clrMapOvr>
+</p:sld>
+</file>
+
+<file path=ppt/slides/slide11.xml><?xml version="1.0" encoding="utf-8"?>
+<p:sld xmlns:a="http://schemas.openxmlformats.org/drawingml/2006/main" xmlns:r="http://schemas.openxmlformats.org/officeDocument/2006/relationships" xmlns:p="http://schemas.openxmlformats.org/presentationml/2006/main">
+  <p:cSld>
+    <p:spTree>
+      <p:nvGrpSpPr>
+        <p:cNvPr id="1" name=""/>
+        <p:cNvGrpSpPr/>
+        <p:nvPr/>
+      </p:nvGrpSpPr>
+      <p:grpSpPr>
+        <a:xfrm>
+          <a:off x="0" y="0"/>
+          <a:ext cx="0" cy="0"/>
+          <a:chOff x="0" y="0"/>
+          <a:chExt cx="0" cy="0"/>
+        </a:xfrm>
+      </p:grpSpPr>
+      <p:sp>
+        <p:nvSpPr>
+          <p:cNvPr id="2" name="제목 1"/>
+          <p:cNvSpPr>
+            <a:spLocks noGrp="1"/>
+          </p:cNvSpPr>
+          <p:nvPr>
+            <p:ph type="title"/>
+          </p:nvPr>
+        </p:nvSpPr>
+        <p:spPr/>
+        <p:txBody>
+          <a:bodyPr/>
+          <a:lstStyle/>
+          <a:p>
+            <a:r>
+              <a:rPr lang="en-US" altLang="ko-KR" dirty="0" err="1"/>
+              <a:t>MinGW</a:t>
+            </a:r>
+            <a:r>
+              <a:rPr lang="en-US" altLang="ko-KR" dirty="0"/>
+              <a:t> </a:t>
+            </a:r>
+            <a:r>
+              <a:rPr lang="ko-KR" altLang="en-US" dirty="0"/>
+              <a:t>설치</a:t>
+            </a:r>
+          </a:p>
+        </p:txBody>
+      </p:sp>
+      <p:pic>
+        <p:nvPicPr>
           <p:cNvPr id="7" name="내용 개체 틀 4"/>
           <p:cNvPicPr>
             <a:picLocks noGrp="1" noChangeAspect="1"/>
@@ -4178,7 +4288,7 @@
 </p:sld>
 </file>
 
-<file path=ppt/slides/slide11.xml><?xml version="1.0" encoding="utf-8"?>
+<file path=ppt/slides/slide12.xml><?xml version="1.0" encoding="utf-8"?>
 <p:sld xmlns:a="http://schemas.openxmlformats.org/drawingml/2006/main" xmlns:r="http://schemas.openxmlformats.org/officeDocument/2006/relationships" xmlns:p="http://schemas.openxmlformats.org/presentationml/2006/main">
   <p:cSld>
     <p:spTree>
@@ -4257,7 +4367,7 @@
 </p:sld>
 </file>
 
-<file path=ppt/slides/slide12.xml><?xml version="1.0" encoding="utf-8"?>
+<file path=ppt/slides/slide13.xml><?xml version="1.0" encoding="utf-8"?>
 <p:sld xmlns:a="http://schemas.openxmlformats.org/drawingml/2006/main" xmlns:r="http://schemas.openxmlformats.org/officeDocument/2006/relationships" xmlns:p="http://schemas.openxmlformats.org/presentationml/2006/main">
   <p:cSld>
     <p:spTree>
@@ -4336,7 +4446,7 @@
 </p:sld>
 </file>
 
-<file path=ppt/slides/slide13.xml><?xml version="1.0" encoding="utf-8"?>
+<file path=ppt/slides/slide14.xml><?xml version="1.0" encoding="utf-8"?>
 <p:sld xmlns:a="http://schemas.openxmlformats.org/drawingml/2006/main" xmlns:r="http://schemas.openxmlformats.org/officeDocument/2006/relationships" xmlns:p="http://schemas.openxmlformats.org/presentationml/2006/main">
   <p:cSld>
     <p:spTree>
@@ -4415,7 +4525,7 @@
 </p:sld>
 </file>
 
-<file path=ppt/slides/slide14.xml><?xml version="1.0" encoding="utf-8"?>
+<file path=ppt/slides/slide15.xml><?xml version="1.0" encoding="utf-8"?>
 <p:sld xmlns:a="http://schemas.openxmlformats.org/drawingml/2006/main" xmlns:r="http://schemas.openxmlformats.org/officeDocument/2006/relationships" xmlns:p="http://schemas.openxmlformats.org/presentationml/2006/main">
   <p:cSld>
     <p:spTree>
@@ -4640,7 +4750,7 @@
 </p:sld>
 </file>
 
-<file path=ppt/slides/slide15.xml><?xml version="1.0" encoding="utf-8"?>
+<file path=ppt/slides/slide16.xml><?xml version="1.0" encoding="utf-8"?>
 <p:sld xmlns:a="http://schemas.openxmlformats.org/drawingml/2006/main" xmlns:r="http://schemas.openxmlformats.org/officeDocument/2006/relationships" xmlns:p="http://schemas.openxmlformats.org/presentationml/2006/main">
   <p:cSld>
     <p:spTree>
@@ -4816,7 +4926,7 @@
 </p:sld>
 </file>
 
-<file path=ppt/slides/slide16.xml><?xml version="1.0" encoding="utf-8"?>
+<file path=ppt/slides/slide17.xml><?xml version="1.0" encoding="utf-8"?>
 <p:sld xmlns:a="http://schemas.openxmlformats.org/drawingml/2006/main" xmlns:r="http://schemas.openxmlformats.org/officeDocument/2006/relationships" xmlns:p="http://schemas.openxmlformats.org/presentationml/2006/main">
   <p:cSld>
     <p:spTree>
@@ -4903,11 +5013,12 @@
           <a:p>
             <a:r>
               <a:rPr lang="ko-KR" altLang="en-US" dirty="0"/>
-              <a:t>파일 리스트가 열리면 제대로 설치된 것</a:t>
-            </a:r>
-            <a:endParaRPr lang="en-US" altLang="ko-KR" dirty="0"/>
-          </a:p>
-          <a:p>
+              <a:t>파일 리스트가 열리면 제대로 설치된 </a:t>
+            </a:r>
+            <a:r>
+              <a:rPr lang="ko-KR" altLang="en-US" dirty="0" smtClean="0"/>
+              <a:t>것</a:t>
+            </a:r>
             <a:endParaRPr lang="en-US" altLang="ko-KR" dirty="0"/>
           </a:p>
           <a:p>
@@ -4934,6 +5045,73 @@
             <a:r>
               <a:rPr lang="ko-KR" altLang="en-US" dirty="0" smtClean="0"/>
               <a:t>참조</a:t>
+            </a:r>
+            <a:endParaRPr lang="en-US" altLang="ko-KR" dirty="0" smtClean="0"/>
+          </a:p>
+          <a:p>
+            <a:endParaRPr lang="en-US" altLang="ko-KR" dirty="0"/>
+          </a:p>
+          <a:p>
+            <a:endParaRPr lang="en-US" altLang="ko-KR" dirty="0" smtClean="0"/>
+          </a:p>
+          <a:p>
+            <a:endParaRPr lang="en-US" altLang="ko-KR" dirty="0"/>
+          </a:p>
+          <a:p>
+            <a:r>
+              <a:rPr lang="en-US" altLang="ko-KR" dirty="0" smtClean="0"/>
+              <a:t>*.</a:t>
+            </a:r>
+            <a:r>
+              <a:rPr lang="en-US" altLang="ko-KR" dirty="0" err="1" smtClean="0"/>
+              <a:t>sh</a:t>
+            </a:r>
+            <a:r>
+              <a:rPr lang="en-US" altLang="ko-KR" dirty="0" smtClean="0"/>
+              <a:t> </a:t>
+            </a:r>
+            <a:r>
+              <a:rPr lang="ko-KR" altLang="en-US" dirty="0" smtClean="0"/>
+              <a:t>파일</a:t>
+            </a:r>
+            <a:r>
+              <a:rPr lang="en-US" altLang="ko-KR" dirty="0" smtClean="0"/>
+              <a:t>(</a:t>
+            </a:r>
+            <a:r>
+              <a:rPr lang="ko-KR" altLang="en-US" dirty="0" err="1" smtClean="0"/>
+              <a:t>쉘</a:t>
+            </a:r>
+            <a:r>
+              <a:rPr lang="ko-KR" altLang="en-US" dirty="0" smtClean="0"/>
+              <a:t> 스크립트</a:t>
+            </a:r>
+            <a:r>
+              <a:rPr lang="en-US" altLang="ko-KR" dirty="0" smtClean="0"/>
+              <a:t>)</a:t>
+            </a:r>
+            <a:r>
+              <a:rPr lang="ko-KR" altLang="en-US" dirty="0" smtClean="0"/>
+              <a:t>을 쓰려면 아래 링크 참조</a:t>
+            </a:r>
+            <a:endParaRPr lang="en-US" altLang="ko-KR" dirty="0" smtClean="0"/>
+          </a:p>
+          <a:p>
+            <a:r>
+              <a:rPr lang="en-US" altLang="ko-KR" dirty="0">
+                <a:hlinkClick r:id="rId2"/>
+              </a:rPr>
+              <a:t>http://</a:t>
+            </a:r>
+            <a:r>
+              <a:rPr lang="en-US" altLang="ko-KR" dirty="0" smtClean="0">
+                <a:hlinkClick r:id="rId2"/>
+              </a:rPr>
+              <a:t>stackoverflow.com/questions/10671667/how-do-i-run-mingw-with-a-script</a:t>
+            </a:r>
+            <a:r>
+              <a:rPr lang="en-US" altLang="ko-KR" dirty="0" smtClean="0"/>
+              <a:t> </a:t>
             </a:r>
             <a:endParaRPr lang="en-US" altLang="ko-KR" dirty="0"/>
           </a:p>
@@ -4948,14 +5126,14 @@
           <p:nvPr/>
         </p:nvPicPr>
         <p:blipFill>
-          <a:blip r:embed="rId2"/>
+          <a:blip r:embed="rId3"/>
           <a:stretch>
             <a:fillRect/>
           </a:stretch>
         </p:blipFill>
         <p:spPr>
           <a:xfrm>
-            <a:off x="743902" y="3644646"/>
+            <a:off x="841750" y="2856614"/>
             <a:ext cx="7460499" cy="1305306"/>
           </a:xfrm>
           <a:prstGeom prst="rect">
@@ -4976,7 +5154,7 @@
 </p:sld>
 </file>
 
-<file path=ppt/slides/slide17.xml><?xml version="1.0" encoding="utf-8"?>
+<file path=ppt/slides/slide18.xml><?xml version="1.0" encoding="utf-8"?>
 <p:sld xmlns:a="http://schemas.openxmlformats.org/drawingml/2006/main" xmlns:r="http://schemas.openxmlformats.org/officeDocument/2006/relationships" xmlns:p="http://schemas.openxmlformats.org/presentationml/2006/main">
   <p:cSld>
     <p:spTree>
@@ -5009,8 +5187,16 @@
           <a:lstStyle/>
           <a:p>
             <a:r>
-              <a:rPr lang="ko-KR" altLang="en-US" dirty="0" smtClean="0"/>
-              <a:t>끝</a:t>
+              <a:rPr lang="ko-KR" altLang="en-US" dirty="0" err="1" smtClean="0"/>
+              <a:t>쉘</a:t>
+            </a:r>
+            <a:r>
+              <a:rPr lang="ko-KR" altLang="en-US" dirty="0" smtClean="0"/>
+              <a:t> 스크립트란</a:t>
+            </a:r>
+            <a:r>
+              <a:rPr lang="en-US" altLang="ko-KR" dirty="0" smtClean="0"/>
+              <a:t>?</a:t>
             </a:r>
             <a:endParaRPr lang="ko-KR" altLang="en-US" dirty="0"/>
           </a:p>
@@ -5032,17 +5218,337 @@
           <a:lstStyle/>
           <a:p>
             <a:r>
-              <a:rPr lang="ko-KR" altLang="en-US" dirty="0" smtClean="0"/>
-              <a:t>끝</a:t>
-            </a:r>
+              <a:rPr lang="ko-KR" altLang="en-US" dirty="0" err="1" smtClean="0"/>
+              <a:t>쉘</a:t>
+            </a:r>
+            <a:r>
+              <a:rPr lang="ko-KR" altLang="en-US" dirty="0" smtClean="0"/>
+              <a:t> </a:t>
+            </a:r>
+            <a:r>
+              <a:rPr lang="en-US" altLang="ko-KR" dirty="0" smtClean="0"/>
+              <a:t>: </a:t>
+            </a:r>
+            <a:r>
+              <a:rPr lang="ko-KR" altLang="en-US" dirty="0" smtClean="0"/>
+              <a:t>운영체제와 사용자 사이에 있는 명령어 해석기</a:t>
+            </a:r>
+            <a:endParaRPr lang="en-US" altLang="ko-KR" dirty="0" smtClean="0"/>
+          </a:p>
+          <a:p>
+            <a:endParaRPr lang="en-US" altLang="ko-KR" dirty="0" smtClean="0"/>
+          </a:p>
+          <a:p>
+            <a:r>
+              <a:rPr lang="ko-KR" altLang="en-US" dirty="0" err="1" smtClean="0"/>
+              <a:t>쉘스크립트</a:t>
+            </a:r>
+            <a:r>
+              <a:rPr lang="ko-KR" altLang="en-US" dirty="0" smtClean="0"/>
+              <a:t> </a:t>
+            </a:r>
+            <a:r>
+              <a:rPr lang="en-US" altLang="ko-KR" dirty="0" smtClean="0"/>
+              <a:t>: </a:t>
+            </a:r>
+            <a:r>
+              <a:rPr lang="ko-KR" altLang="en-US" dirty="0" smtClean="0"/>
+              <a:t>명령어</a:t>
+            </a:r>
+            <a:r>
+              <a:rPr lang="en-US" altLang="ko-KR" dirty="0" smtClean="0"/>
+              <a:t>, </a:t>
+            </a:r>
+            <a:r>
+              <a:rPr lang="ko-KR" altLang="en-US" dirty="0" smtClean="0"/>
+              <a:t>유틸리티</a:t>
+            </a:r>
+            <a:r>
+              <a:rPr lang="en-US" altLang="ko-KR" dirty="0" smtClean="0"/>
+              <a:t>, </a:t>
+            </a:r>
+            <a:r>
+              <a:rPr lang="ko-KR" altLang="en-US" dirty="0" smtClean="0"/>
+              <a:t>실행파일 등을 묶어서 쓰기 쉽게 만들어주는 하나의 언어</a:t>
+            </a:r>
+            <a:endParaRPr lang="en-US" altLang="ko-KR" dirty="0" smtClean="0"/>
+          </a:p>
+          <a:p>
+            <a:endParaRPr lang="en-US" altLang="ko-KR" dirty="0" smtClean="0"/>
+          </a:p>
+          <a:p>
+            <a:endParaRPr lang="en-US" altLang="ko-KR" dirty="0"/>
+          </a:p>
+          <a:p>
             <a:endParaRPr lang="ko-KR" altLang="en-US" dirty="0"/>
           </a:p>
         </p:txBody>
       </p:sp>
+      <p:pic>
+        <p:nvPicPr>
+          <p:cNvPr id="1028" name="Picture 4" descr="os shell에 대한 이미지 검색결과"/>
+          <p:cNvPicPr>
+            <a:picLocks noChangeAspect="1" noChangeArrowheads="1"/>
+          </p:cNvPicPr>
+          <p:nvPr/>
+        </p:nvPicPr>
+        <p:blipFill>
+          <a:blip r:embed="rId2">
+            <a:extLst>
+              <a:ext uri="{28A0092B-C50C-407E-A947-70E740481C1C}">
+                <a14:useLocalDpi xmlns:a14="http://schemas.microsoft.com/office/drawing/2010/main" val="0"/>
+              </a:ext>
+            </a:extLst>
+          </a:blip>
+          <a:srcRect/>
+          <a:stretch>
+            <a:fillRect/>
+          </a:stretch>
+        </p:blipFill>
+        <p:spPr bwMode="auto">
+          <a:xfrm>
+            <a:off x="2406713" y="2852810"/>
+            <a:ext cx="4330573" cy="3251324"/>
+          </a:xfrm>
+          <a:prstGeom prst="rect">
+            <a:avLst/>
+          </a:prstGeom>
+          <a:noFill/>
+          <a:extLst>
+            <a:ext uri="{909E8E84-426E-40DD-AFC4-6F175D3DCCD1}">
+              <a14:hiddenFill xmlns:a14="http://schemas.microsoft.com/office/drawing/2010/main">
+                <a:solidFill>
+                  <a:srgbClr val="FFFFFF"/>
+                </a:solidFill>
+              </a14:hiddenFill>
+            </a:ext>
+          </a:extLst>
+        </p:spPr>
+      </p:pic>
     </p:spTree>
     <p:extLst>
       <p:ext uri="{BB962C8B-B14F-4D97-AF65-F5344CB8AC3E}">
         <p14:creationId xmlns:p14="http://schemas.microsoft.com/office/powerpoint/2010/main" val="3881225262"/>
+      </p:ext>
+    </p:extLst>
+  </p:cSld>
+  <p:clrMapOvr>
+    <a:masterClrMapping/>
+  </p:clrMapOvr>
+</p:sld>
+</file>
+
+<file path=ppt/slides/slide19.xml><?xml version="1.0" encoding="utf-8"?>
+<p:sld xmlns:a="http://schemas.openxmlformats.org/drawingml/2006/main" xmlns:r="http://schemas.openxmlformats.org/officeDocument/2006/relationships" xmlns:p="http://schemas.openxmlformats.org/presentationml/2006/main">
+  <p:cSld>
+    <p:spTree>
+      <p:nvGrpSpPr>
+        <p:cNvPr id="1" name=""/>
+        <p:cNvGrpSpPr/>
+        <p:nvPr/>
+      </p:nvGrpSpPr>
+      <p:grpSpPr>
+        <a:xfrm>
+          <a:off x="0" y="0"/>
+          <a:ext cx="0" cy="0"/>
+          <a:chOff x="0" y="0"/>
+          <a:chExt cx="0" cy="0"/>
+        </a:xfrm>
+      </p:grpSpPr>
+      <p:sp>
+        <p:nvSpPr>
+          <p:cNvPr id="2" name="제목 1"/>
+          <p:cNvSpPr>
+            <a:spLocks noGrp="1"/>
+          </p:cNvSpPr>
+          <p:nvPr>
+            <p:ph type="title"/>
+          </p:nvPr>
+        </p:nvSpPr>
+        <p:spPr/>
+        <p:txBody>
+          <a:bodyPr/>
+          <a:lstStyle/>
+          <a:p>
+            <a:r>
+              <a:rPr lang="ko-KR" altLang="en-US" dirty="0" smtClean="0"/>
+              <a:t>기본 명령어들</a:t>
+            </a:r>
+            <a:endParaRPr lang="ko-KR" altLang="en-US" dirty="0"/>
+          </a:p>
+        </p:txBody>
+      </p:sp>
+      <p:sp>
+        <p:nvSpPr>
+          <p:cNvPr id="5" name="내용 개체 틀 4"/>
+          <p:cNvSpPr>
+            <a:spLocks noGrp="1"/>
+          </p:cNvSpPr>
+          <p:nvPr>
+            <p:ph idx="1"/>
+          </p:nvPr>
+        </p:nvSpPr>
+        <p:spPr/>
+        <p:txBody>
+          <a:bodyPr/>
+          <a:lstStyle/>
+          <a:p>
+            <a:r>
+              <a:rPr lang="en-US" altLang="ko-KR" dirty="0"/>
+              <a:t>l</a:t>
+            </a:r>
+            <a:r>
+              <a:rPr lang="en-US" altLang="ko-KR" dirty="0" smtClean="0"/>
+              <a:t>s : </a:t>
+            </a:r>
+            <a:r>
+              <a:rPr lang="ko-KR" altLang="en-US" dirty="0" smtClean="0"/>
+              <a:t>파일 목록을 보여주는 명령어</a:t>
+            </a:r>
+            <a:r>
+              <a:rPr lang="en-US" altLang="ko-KR" dirty="0" smtClean="0"/>
+              <a:t/>
+            </a:r>
+            <a:br>
+              <a:rPr lang="en-US" altLang="ko-KR" dirty="0" smtClean="0"/>
+            </a:br>
+            <a:r>
+              <a:rPr lang="en-US" altLang="ko-KR" dirty="0" smtClean="0"/>
+              <a:t>	</a:t>
+            </a:r>
+            <a:r>
+              <a:rPr lang="ko-KR" altLang="en-US" dirty="0" err="1" smtClean="0"/>
+              <a:t>띄워쓰기</a:t>
+            </a:r>
+            <a:r>
+              <a:rPr lang="ko-KR" altLang="en-US" dirty="0" smtClean="0"/>
+              <a:t> 후</a:t>
+            </a:r>
+            <a:r>
+              <a:rPr lang="en-US" altLang="ko-KR" dirty="0" smtClean="0"/>
+              <a:t>-r , -l, -a, -la </a:t>
+            </a:r>
+            <a:r>
+              <a:rPr lang="ko-KR" altLang="en-US" dirty="0" smtClean="0"/>
+              <a:t>등을 붙여서 실행해보자</a:t>
+            </a:r>
+            <a:endParaRPr lang="en-US" altLang="ko-KR" dirty="0" smtClean="0"/>
+          </a:p>
+          <a:p>
+            <a:r>
+              <a:rPr lang="en-US" altLang="ko-KR" dirty="0" smtClean="0"/>
+              <a:t>echo : </a:t>
+            </a:r>
+            <a:r>
+              <a:rPr lang="ko-KR" altLang="en-US" dirty="0" smtClean="0"/>
+              <a:t>뒤에 오는 문자열을 출력해주는 명령어</a:t>
+            </a:r>
+            <a:r>
+              <a:rPr lang="en-US" altLang="ko-KR" dirty="0" smtClean="0"/>
+              <a:t/>
+            </a:r>
+            <a:br>
+              <a:rPr lang="en-US" altLang="ko-KR" dirty="0" smtClean="0"/>
+            </a:br>
+            <a:r>
+              <a:rPr lang="en-US" altLang="ko-KR" dirty="0" smtClean="0"/>
+              <a:t>	echo “</a:t>
+            </a:r>
+            <a:r>
+              <a:rPr lang="en-US" altLang="ko-KR" dirty="0" err="1" smtClean="0"/>
+              <a:t>hellow</a:t>
+            </a:r>
+            <a:r>
+              <a:rPr lang="en-US" altLang="ko-KR" dirty="0" smtClean="0"/>
+              <a:t> world!” </a:t>
+            </a:r>
+          </a:p>
+          <a:p>
+            <a:r>
+              <a:rPr lang="en-US" altLang="ko-KR" dirty="0"/>
+              <a:t>c</a:t>
+            </a:r>
+            <a:r>
+              <a:rPr lang="en-US" altLang="ko-KR" dirty="0" smtClean="0"/>
+              <a:t>at : </a:t>
+            </a:r>
+            <a:r>
+              <a:rPr lang="ko-KR" altLang="en-US" dirty="0" smtClean="0"/>
+              <a:t>파일을 처음부터 읽는 명령어</a:t>
+            </a:r>
+            <a:endParaRPr lang="en-US" altLang="ko-KR" dirty="0" smtClean="0"/>
+          </a:p>
+          <a:p>
+            <a:r>
+              <a:rPr lang="en-US" altLang="ko-KR" dirty="0" smtClean="0"/>
+              <a:t>Head, tail –n  </a:t>
+            </a:r>
+            <a:r>
+              <a:rPr lang="ko-KR" altLang="en-US" dirty="0" smtClean="0"/>
+              <a:t>숫자</a:t>
+            </a:r>
+            <a:r>
+              <a:rPr lang="en-US" altLang="ko-KR" dirty="0" smtClean="0"/>
+              <a:t>: </a:t>
+            </a:r>
+            <a:r>
+              <a:rPr lang="ko-KR" altLang="en-US" dirty="0" smtClean="0"/>
+              <a:t>숫자만큼 해당 파일의 줄을 읽는 명령어</a:t>
+            </a:r>
+            <a:endParaRPr lang="en-US" altLang="ko-KR" dirty="0" smtClean="0"/>
+          </a:p>
+          <a:p>
+            <a:r>
+              <a:rPr lang="en-US" altLang="ko-KR" dirty="0" err="1" smtClean="0"/>
+              <a:t>Mkdir</a:t>
+            </a:r>
+            <a:r>
+              <a:rPr lang="en-US" altLang="ko-KR" dirty="0" smtClean="0"/>
+              <a:t> : </a:t>
+            </a:r>
+            <a:r>
+              <a:rPr lang="ko-KR" altLang="en-US" dirty="0" smtClean="0"/>
+              <a:t>폴더 생성</a:t>
+            </a:r>
+            <a:r>
+              <a:rPr lang="en-US" altLang="ko-KR" dirty="0" smtClean="0"/>
+              <a:t>, </a:t>
+            </a:r>
+            <a:r>
+              <a:rPr lang="en-US" altLang="ko-KR" dirty="0" err="1" smtClean="0"/>
+              <a:t>rmdir</a:t>
+            </a:r>
+            <a:r>
+              <a:rPr lang="en-US" altLang="ko-KR" dirty="0" smtClean="0"/>
+              <a:t>: </a:t>
+            </a:r>
+            <a:r>
+              <a:rPr lang="ko-KR" altLang="en-US" dirty="0" smtClean="0"/>
+              <a:t>폴더제거</a:t>
+            </a:r>
+            <a:endParaRPr lang="en-US" altLang="ko-KR" dirty="0" smtClean="0"/>
+          </a:p>
+          <a:p>
+            <a:r>
+              <a:rPr lang="en-US" altLang="ko-KR" dirty="0" err="1" smtClean="0"/>
+              <a:t>Chmod</a:t>
+            </a:r>
+            <a:r>
+              <a:rPr lang="en-US" altLang="ko-KR" dirty="0" smtClean="0"/>
+              <a:t> : </a:t>
+            </a:r>
+            <a:r>
+              <a:rPr lang="ko-KR" altLang="en-US" dirty="0" smtClean="0"/>
+              <a:t>파일의 권한을 변경</a:t>
+            </a:r>
+            <a:endParaRPr lang="ko-KR" altLang="en-US" dirty="0"/>
+          </a:p>
+        </p:txBody>
+      </p:sp>
+    </p:spTree>
+    <p:extLst>
+      <p:ext uri="{BB962C8B-B14F-4D97-AF65-F5344CB8AC3E}">
+        <p14:creationId xmlns:p14="http://schemas.microsoft.com/office/powerpoint/2010/main" val="1286080821"/>
       </p:ext>
     </p:extLst>
   </p:cSld>
@@ -5170,6 +5676,1955 @@
 </p:sld>
 </file>
 
+<file path=ppt/slides/slide20.xml><?xml version="1.0" encoding="utf-8"?>
+<p:sld xmlns:a="http://schemas.openxmlformats.org/drawingml/2006/main" xmlns:r="http://schemas.openxmlformats.org/officeDocument/2006/relationships" xmlns:p="http://schemas.openxmlformats.org/presentationml/2006/main">
+  <p:cSld>
+    <p:spTree>
+      <p:nvGrpSpPr>
+        <p:cNvPr id="1" name=""/>
+        <p:cNvGrpSpPr/>
+        <p:nvPr/>
+      </p:nvGrpSpPr>
+      <p:grpSpPr>
+        <a:xfrm>
+          <a:off x="0" y="0"/>
+          <a:ext cx="0" cy="0"/>
+          <a:chOff x="0" y="0"/>
+          <a:chExt cx="0" cy="0"/>
+        </a:xfrm>
+      </p:grpSpPr>
+      <p:sp>
+        <p:nvSpPr>
+          <p:cNvPr id="2" name="제목 1"/>
+          <p:cNvSpPr>
+            <a:spLocks noGrp="1"/>
+          </p:cNvSpPr>
+          <p:nvPr>
+            <p:ph type="title"/>
+          </p:nvPr>
+        </p:nvSpPr>
+        <p:spPr/>
+        <p:txBody>
+          <a:bodyPr/>
+          <a:lstStyle/>
+          <a:p>
+            <a:r>
+              <a:rPr lang="ko-KR" altLang="en-US" dirty="0" smtClean="0"/>
+              <a:t>기본명령어들</a:t>
+            </a:r>
+            <a:endParaRPr lang="ko-KR" altLang="en-US" dirty="0"/>
+          </a:p>
+        </p:txBody>
+      </p:sp>
+      <p:sp>
+        <p:nvSpPr>
+          <p:cNvPr id="3" name="내용 개체 틀 2"/>
+          <p:cNvSpPr>
+            <a:spLocks noGrp="1"/>
+          </p:cNvSpPr>
+          <p:nvPr>
+            <p:ph idx="1"/>
+          </p:nvPr>
+        </p:nvSpPr>
+        <p:spPr/>
+        <p:txBody>
+          <a:bodyPr/>
+          <a:lstStyle/>
+          <a:p>
+            <a:r>
+              <a:rPr lang="en-US" altLang="ko-KR" dirty="0" smtClean="0"/>
+              <a:t>Grep : </a:t>
+            </a:r>
+            <a:r>
+              <a:rPr lang="ko-KR" altLang="en-US" dirty="0" smtClean="0"/>
+              <a:t>주로 파이프라인과 같이 사용되며 해당 단어가 있는 줄만 출력해준다</a:t>
+            </a:r>
+            <a:r>
+              <a:rPr lang="en-US" altLang="ko-KR" dirty="0" smtClean="0"/>
+              <a:t>.</a:t>
+            </a:r>
+          </a:p>
+          <a:p>
+            <a:r>
+              <a:rPr lang="en-US" altLang="ko-KR" dirty="0" smtClean="0"/>
+              <a:t>Sort : </a:t>
+            </a:r>
+            <a:r>
+              <a:rPr lang="ko-KR" altLang="en-US" dirty="0" smtClean="0"/>
+              <a:t>파일 혹은 텍스트 </a:t>
+            </a:r>
+            <a:r>
+              <a:rPr lang="ko-KR" altLang="en-US" dirty="0" err="1" smtClean="0"/>
+              <a:t>스트림을</a:t>
+            </a:r>
+            <a:r>
+              <a:rPr lang="ko-KR" altLang="en-US" dirty="0" smtClean="0"/>
+              <a:t> 정렬해준다</a:t>
+            </a:r>
+            <a:r>
+              <a:rPr lang="en-US" altLang="ko-KR" dirty="0" smtClean="0"/>
+              <a:t>.</a:t>
+            </a:r>
+          </a:p>
+          <a:p>
+            <a:r>
+              <a:rPr lang="en-US" altLang="ko-KR" dirty="0" err="1" smtClean="0"/>
+              <a:t>Wc</a:t>
+            </a:r>
+            <a:r>
+              <a:rPr lang="en-US" altLang="ko-KR" dirty="0" smtClean="0"/>
+              <a:t>: </a:t>
+            </a:r>
+            <a:r>
+              <a:rPr lang="ko-KR" altLang="en-US" dirty="0" smtClean="0"/>
+              <a:t>파일의 단어</a:t>
+            </a:r>
+            <a:r>
+              <a:rPr lang="en-US" altLang="ko-KR" dirty="0" smtClean="0"/>
+              <a:t>, </a:t>
+            </a:r>
+            <a:r>
+              <a:rPr lang="ko-KR" altLang="en-US" dirty="0" smtClean="0"/>
+              <a:t>줄</a:t>
+            </a:r>
+            <a:r>
+              <a:rPr lang="en-US" altLang="ko-KR" dirty="0" smtClean="0"/>
+              <a:t>, </a:t>
+            </a:r>
+            <a:r>
+              <a:rPr lang="ko-KR" altLang="en-US" dirty="0" smtClean="0"/>
+              <a:t>문자 등의 개수를 구해준다</a:t>
+            </a:r>
+            <a:r>
+              <a:rPr lang="en-US" altLang="ko-KR" dirty="0" smtClean="0"/>
+              <a:t>.</a:t>
+            </a:r>
+          </a:p>
+          <a:p>
+            <a:endParaRPr lang="en-US" altLang="ko-KR" dirty="0"/>
+          </a:p>
+          <a:p>
+            <a:r>
+              <a:rPr lang="en-US" altLang="ko-KR" dirty="0" smtClean="0"/>
+              <a:t>Tee [</a:t>
+            </a:r>
+            <a:r>
+              <a:rPr lang="en-US" altLang="ko-KR" dirty="0" err="1" smtClean="0"/>
+              <a:t>file_path</a:t>
+            </a:r>
+            <a:r>
+              <a:rPr lang="en-US" altLang="ko-KR" dirty="0" smtClean="0"/>
+              <a:t>] : </a:t>
+            </a:r>
+            <a:r>
+              <a:rPr lang="ko-KR" altLang="en-US" dirty="0" smtClean="0"/>
+              <a:t>출력을 </a:t>
+            </a:r>
+            <a:r>
+              <a:rPr lang="en-US" altLang="ko-KR" dirty="0" err="1" smtClean="0"/>
+              <a:t>file_path</a:t>
+            </a:r>
+            <a:r>
+              <a:rPr lang="ko-KR" altLang="en-US" dirty="0" smtClean="0"/>
+              <a:t>로 저장하면서 화면에 띄운다</a:t>
+            </a:r>
+            <a:r>
+              <a:rPr lang="en-US" altLang="ko-KR" dirty="0" smtClean="0"/>
+              <a:t>.</a:t>
+            </a:r>
+            <a:endParaRPr lang="ko-KR" altLang="en-US" dirty="0"/>
+          </a:p>
+        </p:txBody>
+      </p:sp>
+    </p:spTree>
+    <p:extLst>
+      <p:ext uri="{BB962C8B-B14F-4D97-AF65-F5344CB8AC3E}">
+        <p14:creationId xmlns:p14="http://schemas.microsoft.com/office/powerpoint/2010/main" val="2926081680"/>
+      </p:ext>
+    </p:extLst>
+  </p:cSld>
+  <p:clrMapOvr>
+    <a:masterClrMapping/>
+  </p:clrMapOvr>
+</p:sld>
+</file>
+
+<file path=ppt/slides/slide21.xml><?xml version="1.0" encoding="utf-8"?>
+<p:sld xmlns:a="http://schemas.openxmlformats.org/drawingml/2006/main" xmlns:r="http://schemas.openxmlformats.org/officeDocument/2006/relationships" xmlns:p="http://schemas.openxmlformats.org/presentationml/2006/main">
+  <p:cSld>
+    <p:spTree>
+      <p:nvGrpSpPr>
+        <p:cNvPr id="1" name=""/>
+        <p:cNvGrpSpPr/>
+        <p:nvPr/>
+      </p:nvGrpSpPr>
+      <p:grpSpPr>
+        <a:xfrm>
+          <a:off x="0" y="0"/>
+          <a:ext cx="0" cy="0"/>
+          <a:chOff x="0" y="0"/>
+          <a:chExt cx="0" cy="0"/>
+        </a:xfrm>
+      </p:grpSpPr>
+      <p:sp>
+        <p:nvSpPr>
+          <p:cNvPr id="2" name="제목 1"/>
+          <p:cNvSpPr>
+            <a:spLocks noGrp="1"/>
+          </p:cNvSpPr>
+          <p:nvPr>
+            <p:ph type="title"/>
+          </p:nvPr>
+        </p:nvSpPr>
+        <p:spPr/>
+        <p:txBody>
+          <a:bodyPr/>
+          <a:lstStyle/>
+          <a:p>
+            <a:r>
+              <a:rPr lang="en-US" altLang="ko-KR" dirty="0" smtClean="0"/>
+              <a:t>Pipeline, redirect</a:t>
+            </a:r>
+            <a:endParaRPr lang="ko-KR" altLang="en-US" dirty="0"/>
+          </a:p>
+        </p:txBody>
+      </p:sp>
+      <p:sp>
+        <p:nvSpPr>
+          <p:cNvPr id="3" name="내용 개체 틀 2"/>
+          <p:cNvSpPr>
+            <a:spLocks noGrp="1"/>
+          </p:cNvSpPr>
+          <p:nvPr>
+            <p:ph idx="1"/>
+          </p:nvPr>
+        </p:nvSpPr>
+        <p:spPr/>
+        <p:txBody>
+          <a:bodyPr/>
+          <a:lstStyle/>
+          <a:p>
+            <a:r>
+              <a:rPr lang="en-US" altLang="ko-KR" dirty="0" smtClean="0"/>
+              <a:t>Echo “11+9”</a:t>
+            </a:r>
+            <a:r>
+              <a:rPr lang="ko-KR" altLang="en-US" dirty="0" smtClean="0"/>
+              <a:t>와 </a:t>
+            </a:r>
+            <a:r>
+              <a:rPr lang="en-US" altLang="ko-KR" dirty="0" smtClean="0"/>
+              <a:t>echo “11+9” | </a:t>
+            </a:r>
+            <a:r>
+              <a:rPr lang="en-US" altLang="ko-KR" dirty="0" err="1" smtClean="0"/>
+              <a:t>bc</a:t>
+            </a:r>
+            <a:r>
+              <a:rPr lang="ko-KR" altLang="en-US" dirty="0"/>
+              <a:t> </a:t>
+            </a:r>
+            <a:r>
+              <a:rPr lang="ko-KR" altLang="en-US" dirty="0" smtClean="0"/>
+              <a:t>를 적어보자</a:t>
+            </a:r>
+            <a:endParaRPr lang="en-US" altLang="ko-KR" dirty="0"/>
+          </a:p>
+          <a:p>
+            <a:r>
+              <a:rPr lang="en-US" altLang="ko-KR" dirty="0" smtClean="0"/>
+              <a:t>|</a:t>
+            </a:r>
+            <a:r>
+              <a:rPr lang="ko-KR" altLang="en-US" dirty="0" smtClean="0"/>
+              <a:t>은 파이프라인으로 앞의 명령어의 결과를 뒤의 명령어로 넘겨준다</a:t>
+            </a:r>
+            <a:r>
+              <a:rPr lang="en-US" altLang="ko-KR" dirty="0" smtClean="0"/>
+              <a:t>.</a:t>
+            </a:r>
+          </a:p>
+          <a:p>
+            <a:endParaRPr lang="en-US" altLang="ko-KR" dirty="0"/>
+          </a:p>
+          <a:p>
+            <a:r>
+              <a:rPr lang="en-US" altLang="ko-KR" dirty="0" smtClean="0"/>
+              <a:t>Echo “</a:t>
+            </a:r>
+            <a:r>
+              <a:rPr lang="en-US" altLang="ko-KR" dirty="0" err="1" smtClean="0"/>
+              <a:t>hellow</a:t>
+            </a:r>
+            <a:r>
+              <a:rPr lang="en-US" altLang="ko-KR" dirty="0" smtClean="0"/>
+              <a:t> world!” &gt; test.txt </a:t>
+            </a:r>
+            <a:endParaRPr lang="en-US" altLang="ko-KR" dirty="0"/>
+          </a:p>
+          <a:p>
+            <a:r>
+              <a:rPr lang="en-US" altLang="ko-KR" dirty="0" smtClean="0"/>
+              <a:t>&gt;</a:t>
+            </a:r>
+            <a:r>
+              <a:rPr lang="ko-KR" altLang="en-US" dirty="0" smtClean="0"/>
+              <a:t>은 </a:t>
+            </a:r>
+            <a:r>
+              <a:rPr lang="en-US" altLang="ko-KR" dirty="0" smtClean="0"/>
+              <a:t>redirect</a:t>
+            </a:r>
+            <a:r>
+              <a:rPr lang="ko-KR" altLang="en-US" dirty="0" smtClean="0"/>
+              <a:t>로 </a:t>
+            </a:r>
+            <a:r>
+              <a:rPr lang="en-US" altLang="ko-KR" dirty="0" err="1" smtClean="0"/>
+              <a:t>stdout</a:t>
+            </a:r>
+            <a:r>
+              <a:rPr lang="en-US" altLang="ko-KR" dirty="0" smtClean="0"/>
+              <a:t>(</a:t>
+            </a:r>
+            <a:r>
+              <a:rPr lang="ko-KR" altLang="en-US" dirty="0" smtClean="0"/>
+              <a:t>화면</a:t>
+            </a:r>
+            <a:r>
+              <a:rPr lang="en-US" altLang="ko-KR" dirty="0" smtClean="0"/>
+              <a:t>)</a:t>
+            </a:r>
+            <a:r>
+              <a:rPr lang="ko-KR" altLang="en-US" dirty="0" smtClean="0"/>
+              <a:t>으로 나가는 출력을 </a:t>
+            </a:r>
+            <a:r>
+              <a:rPr lang="en-US" altLang="ko-KR" dirty="0" smtClean="0"/>
+              <a:t>&gt; </a:t>
+            </a:r>
+            <a:r>
+              <a:rPr lang="ko-KR" altLang="en-US" dirty="0" smtClean="0"/>
+              <a:t>뒤에 오는 파일명으로 바꿔준다</a:t>
+            </a:r>
+            <a:r>
+              <a:rPr lang="en-US" altLang="ko-KR" dirty="0" smtClean="0"/>
+              <a:t>. </a:t>
+            </a:r>
+            <a:r>
+              <a:rPr lang="en-US" altLang="ko-KR" dirty="0"/>
+              <a:t/>
+            </a:r>
+            <a:br>
+              <a:rPr lang="en-US" altLang="ko-KR" dirty="0"/>
+            </a:br>
+            <a:r>
+              <a:rPr lang="en-US" altLang="ko-KR" dirty="0" smtClean="0"/>
+              <a:t>&gt;</a:t>
+            </a:r>
+            <a:r>
+              <a:rPr lang="ko-KR" altLang="en-US" dirty="0" smtClean="0"/>
+              <a:t>은 덮어쓰기</a:t>
+            </a:r>
+            <a:r>
+              <a:rPr lang="en-US" altLang="ko-KR" dirty="0" smtClean="0"/>
+              <a:t>, &gt;&gt;</a:t>
+            </a:r>
+            <a:r>
+              <a:rPr lang="ko-KR" altLang="en-US" dirty="0" smtClean="0"/>
+              <a:t>은 </a:t>
+            </a:r>
+            <a:r>
+              <a:rPr lang="ko-KR" altLang="en-US" dirty="0" err="1" smtClean="0"/>
+              <a:t>이어쓰기</a:t>
+            </a:r>
+            <a:endParaRPr lang="en-US" altLang="ko-KR" dirty="0" smtClean="0"/>
+          </a:p>
+          <a:p>
+            <a:endParaRPr lang="en-US" altLang="ko-KR" dirty="0"/>
+          </a:p>
+          <a:p>
+            <a:r>
+              <a:rPr lang="en-US" altLang="ko-KR" dirty="0" smtClean="0"/>
+              <a:t>Echo “1+2+3” &gt; t1</a:t>
+            </a:r>
+            <a:r>
+              <a:rPr lang="ko-KR" altLang="en-US" dirty="0" smtClean="0"/>
+              <a:t>후 </a:t>
+            </a:r>
+            <a:r>
+              <a:rPr lang="en-US" altLang="ko-KR" dirty="0" err="1" smtClean="0"/>
+              <a:t>bc</a:t>
+            </a:r>
+            <a:r>
+              <a:rPr lang="en-US" altLang="ko-KR" dirty="0" smtClean="0"/>
+              <a:t> &lt; t1</a:t>
+            </a:r>
+          </a:p>
+          <a:p>
+            <a:r>
+              <a:rPr lang="en-US" altLang="ko-KR" dirty="0" smtClean="0"/>
+              <a:t>&lt;</a:t>
+            </a:r>
+            <a:r>
+              <a:rPr lang="ko-KR" altLang="en-US" dirty="0" smtClean="0"/>
+              <a:t>은 해당 파일의 내용을 프로그램으로 넘겨준다</a:t>
+            </a:r>
+            <a:r>
+              <a:rPr lang="en-US" altLang="ko-KR" dirty="0" smtClean="0"/>
+              <a:t>.</a:t>
+            </a:r>
+            <a:endParaRPr lang="ko-KR" altLang="en-US" dirty="0"/>
+          </a:p>
+        </p:txBody>
+      </p:sp>
+    </p:spTree>
+    <p:extLst>
+      <p:ext uri="{BB962C8B-B14F-4D97-AF65-F5344CB8AC3E}">
+        <p14:creationId xmlns:p14="http://schemas.microsoft.com/office/powerpoint/2010/main" val="813336547"/>
+      </p:ext>
+    </p:extLst>
+  </p:cSld>
+  <p:clrMapOvr>
+    <a:masterClrMapping/>
+  </p:clrMapOvr>
+</p:sld>
+</file>
+
+<file path=ppt/slides/slide22.xml><?xml version="1.0" encoding="utf-8"?>
+<p:sld xmlns:a="http://schemas.openxmlformats.org/drawingml/2006/main" xmlns:r="http://schemas.openxmlformats.org/officeDocument/2006/relationships" xmlns:p="http://schemas.openxmlformats.org/presentationml/2006/main">
+  <p:cSld>
+    <p:spTree>
+      <p:nvGrpSpPr>
+        <p:cNvPr id="1" name=""/>
+        <p:cNvGrpSpPr/>
+        <p:nvPr/>
+      </p:nvGrpSpPr>
+      <p:grpSpPr>
+        <a:xfrm>
+          <a:off x="0" y="0"/>
+          <a:ext cx="0" cy="0"/>
+          <a:chOff x="0" y="0"/>
+          <a:chExt cx="0" cy="0"/>
+        </a:xfrm>
+      </p:grpSpPr>
+      <p:sp>
+        <p:nvSpPr>
+          <p:cNvPr id="2" name="제목 1"/>
+          <p:cNvSpPr>
+            <a:spLocks noGrp="1"/>
+          </p:cNvSpPr>
+          <p:nvPr>
+            <p:ph type="title"/>
+          </p:nvPr>
+        </p:nvSpPr>
+        <p:spPr/>
+        <p:txBody>
+          <a:bodyPr/>
+          <a:lstStyle/>
+          <a:p>
+            <a:r>
+              <a:rPr lang="en-US" altLang="ko-KR" dirty="0" smtClean="0"/>
+              <a:t>#! </a:t>
+            </a:r>
+            <a:r>
+              <a:rPr lang="ko-KR" altLang="en-US" dirty="0" smtClean="0"/>
+              <a:t>으로 시작하기</a:t>
+            </a:r>
+            <a:endParaRPr lang="ko-KR" altLang="en-US" dirty="0"/>
+          </a:p>
+        </p:txBody>
+      </p:sp>
+      <p:sp>
+        <p:nvSpPr>
+          <p:cNvPr id="3" name="내용 개체 틀 2"/>
+          <p:cNvSpPr>
+            <a:spLocks noGrp="1"/>
+          </p:cNvSpPr>
+          <p:nvPr>
+            <p:ph idx="1"/>
+          </p:nvPr>
+        </p:nvSpPr>
+        <p:spPr/>
+        <p:txBody>
+          <a:bodyPr/>
+          <a:lstStyle/>
+          <a:p>
+            <a:r>
+              <a:rPr lang="en-US" altLang="ko-KR" dirty="0" smtClean="0"/>
+              <a:t>.</a:t>
+            </a:r>
+            <a:r>
+              <a:rPr lang="en-US" altLang="ko-KR" dirty="0" err="1" smtClean="0"/>
+              <a:t>sh</a:t>
+            </a:r>
+            <a:r>
+              <a:rPr lang="en-US" altLang="ko-KR" dirty="0" smtClean="0"/>
+              <a:t> </a:t>
+            </a:r>
+            <a:r>
+              <a:rPr lang="ko-KR" altLang="en-US" dirty="0" smtClean="0"/>
+              <a:t>파일의 첫 줄에서 </a:t>
+            </a:r>
+            <a:r>
+              <a:rPr lang="en-US" altLang="ko-KR" dirty="0" smtClean="0"/>
+              <a:t>#!</a:t>
+            </a:r>
+            <a:r>
+              <a:rPr lang="ko-KR" altLang="en-US" dirty="0" smtClean="0"/>
+              <a:t>은 어떤 명령어 해석기를 써야 하는지 </a:t>
+            </a:r>
+            <a:r>
+              <a:rPr lang="en-US" altLang="ko-KR" dirty="0" smtClean="0"/>
+              <a:t>shell</a:t>
+            </a:r>
+            <a:r>
+              <a:rPr lang="ko-KR" altLang="en-US" dirty="0" smtClean="0"/>
+              <a:t>에게 알려주는 역할을 한다</a:t>
+            </a:r>
+            <a:r>
+              <a:rPr lang="en-US" altLang="ko-KR" dirty="0" smtClean="0"/>
+              <a:t>.</a:t>
+            </a:r>
+            <a:br>
+              <a:rPr lang="en-US" altLang="ko-KR" dirty="0" smtClean="0"/>
+            </a:br>
+            <a:r>
+              <a:rPr lang="de-DE" altLang="ko-KR" dirty="0" smtClean="0"/>
+              <a:t>#!/bin/sh</a:t>
+            </a:r>
+            <a:br>
+              <a:rPr lang="de-DE" altLang="ko-KR" dirty="0" smtClean="0"/>
+            </a:br>
+            <a:r>
+              <a:rPr lang="de-DE" altLang="ko-KR" dirty="0" smtClean="0"/>
+              <a:t>#!/usr/bin/perl</a:t>
+            </a:r>
+            <a:br>
+              <a:rPr lang="de-DE" altLang="ko-KR" dirty="0" smtClean="0"/>
+            </a:br>
+            <a:r>
+              <a:rPr lang="de-DE" altLang="ko-KR" dirty="0" smtClean="0"/>
+              <a:t>#!/</a:t>
+            </a:r>
+            <a:r>
+              <a:rPr lang="de-DE" altLang="ko-KR" dirty="0"/>
+              <a:t>bin/sed </a:t>
+            </a:r>
+            <a:r>
+              <a:rPr lang="de-DE" altLang="ko-KR" dirty="0" smtClean="0"/>
+              <a:t>–f</a:t>
+            </a:r>
+          </a:p>
+          <a:p>
+            <a:endParaRPr lang="de-DE" altLang="ko-KR" dirty="0"/>
+          </a:p>
+          <a:p>
+            <a:r>
+              <a:rPr lang="de-DE" altLang="ko-KR" dirty="0" smtClean="0"/>
+              <a:t>Vim</a:t>
+            </a:r>
+            <a:r>
+              <a:rPr lang="ko-KR" altLang="en-US" dirty="0" smtClean="0"/>
+              <a:t>을 써서 다음과 같이 적어보자 </a:t>
+            </a:r>
+            <a:endParaRPr lang="de-DE" altLang="ko-KR" dirty="0"/>
+          </a:p>
+          <a:p>
+            <a:pPr marL="0" indent="0">
+              <a:buNone/>
+            </a:pPr>
+            <a:r>
+              <a:rPr lang="ko-KR" altLang="en-US" dirty="0" smtClean="0"/>
+              <a:t> </a:t>
+            </a:r>
+            <a:endParaRPr lang="ko-KR" altLang="en-US" dirty="0"/>
+          </a:p>
+        </p:txBody>
+      </p:sp>
+      <p:pic>
+        <p:nvPicPr>
+          <p:cNvPr id="5" name="그림 4"/>
+          <p:cNvPicPr>
+            <a:picLocks noChangeAspect="1"/>
+          </p:cNvPicPr>
+          <p:nvPr/>
+        </p:nvPicPr>
+        <p:blipFill>
+          <a:blip r:embed="rId2"/>
+          <a:stretch>
+            <a:fillRect/>
+          </a:stretch>
+        </p:blipFill>
+        <p:spPr>
+          <a:xfrm>
+            <a:off x="1883837" y="4017835"/>
+            <a:ext cx="5376326" cy="1212533"/>
+          </a:xfrm>
+          <a:prstGeom prst="rect">
+            <a:avLst/>
+          </a:prstGeom>
+        </p:spPr>
+      </p:pic>
+    </p:spTree>
+    <p:extLst>
+      <p:ext uri="{BB962C8B-B14F-4D97-AF65-F5344CB8AC3E}">
+        <p14:creationId xmlns:p14="http://schemas.microsoft.com/office/powerpoint/2010/main" val="2229145676"/>
+      </p:ext>
+    </p:extLst>
+  </p:cSld>
+  <p:clrMapOvr>
+    <a:masterClrMapping/>
+  </p:clrMapOvr>
+</p:sld>
+</file>
+
+<file path=ppt/slides/slide23.xml><?xml version="1.0" encoding="utf-8"?>
+<p:sld xmlns:a="http://schemas.openxmlformats.org/drawingml/2006/main" xmlns:r="http://schemas.openxmlformats.org/officeDocument/2006/relationships" xmlns:p="http://schemas.openxmlformats.org/presentationml/2006/main">
+  <p:cSld>
+    <p:spTree>
+      <p:nvGrpSpPr>
+        <p:cNvPr id="1" name=""/>
+        <p:cNvGrpSpPr/>
+        <p:nvPr/>
+      </p:nvGrpSpPr>
+      <p:grpSpPr>
+        <a:xfrm>
+          <a:off x="0" y="0"/>
+          <a:ext cx="0" cy="0"/>
+          <a:chOff x="0" y="0"/>
+          <a:chExt cx="0" cy="0"/>
+        </a:xfrm>
+      </p:grpSpPr>
+      <p:sp>
+        <p:nvSpPr>
+          <p:cNvPr id="2" name="제목 1"/>
+          <p:cNvSpPr>
+            <a:spLocks noGrp="1"/>
+          </p:cNvSpPr>
+          <p:nvPr>
+            <p:ph type="title"/>
+          </p:nvPr>
+        </p:nvSpPr>
+        <p:spPr/>
+        <p:txBody>
+          <a:bodyPr/>
+          <a:lstStyle/>
+          <a:p>
+            <a:r>
+              <a:rPr lang="en-US" altLang="ko-KR" dirty="0"/>
+              <a:t>#! </a:t>
+            </a:r>
+            <a:r>
+              <a:rPr lang="ko-KR" altLang="en-US" dirty="0"/>
+              <a:t>으로 시작하기</a:t>
+            </a:r>
+          </a:p>
+        </p:txBody>
+      </p:sp>
+      <p:sp>
+        <p:nvSpPr>
+          <p:cNvPr id="3" name="내용 개체 틀 2"/>
+          <p:cNvSpPr>
+            <a:spLocks noGrp="1"/>
+          </p:cNvSpPr>
+          <p:nvPr>
+            <p:ph idx="1"/>
+          </p:nvPr>
+        </p:nvSpPr>
+        <p:spPr/>
+        <p:txBody>
+          <a:bodyPr/>
+          <a:lstStyle/>
+          <a:p>
+            <a:r>
+              <a:rPr lang="en-US" altLang="ko-KR" dirty="0" smtClean="0"/>
+              <a:t>.</a:t>
+            </a:r>
+            <a:r>
+              <a:rPr lang="en-US" altLang="ko-KR" dirty="0" err="1" smtClean="0"/>
+              <a:t>sh</a:t>
+            </a:r>
+            <a:r>
+              <a:rPr lang="ko-KR" altLang="en-US" dirty="0" smtClean="0"/>
+              <a:t>파일을 저장하고 나와서 </a:t>
+            </a:r>
+            <a:r>
+              <a:rPr lang="en-US" altLang="ko-KR" dirty="0" smtClean="0"/>
+              <a:t>./</a:t>
+            </a:r>
+            <a:r>
+              <a:rPr lang="ko-KR" altLang="en-US" dirty="0" smtClean="0"/>
+              <a:t>파일이름</a:t>
+            </a:r>
+            <a:r>
+              <a:rPr lang="en-US" altLang="ko-KR" dirty="0" smtClean="0"/>
+              <a:t>.</a:t>
+            </a:r>
+            <a:r>
+              <a:rPr lang="en-US" altLang="ko-KR" dirty="0" err="1" smtClean="0"/>
+              <a:t>sh</a:t>
+            </a:r>
+            <a:r>
+              <a:rPr lang="ko-KR" altLang="en-US" dirty="0" smtClean="0"/>
+              <a:t>로 실행해보자</a:t>
+            </a:r>
+            <a:endParaRPr lang="en-US" altLang="ko-KR" dirty="0" smtClean="0"/>
+          </a:p>
+          <a:p>
+            <a:endParaRPr lang="en-US" altLang="ko-KR" dirty="0"/>
+          </a:p>
+          <a:p>
+            <a:endParaRPr lang="en-US" altLang="ko-KR" dirty="0" smtClean="0"/>
+          </a:p>
+          <a:p>
+            <a:endParaRPr lang="en-US" altLang="ko-KR" dirty="0"/>
+          </a:p>
+          <a:p>
+            <a:r>
+              <a:rPr lang="en-US" altLang="ko-KR" dirty="0" err="1" smtClean="0"/>
+              <a:t>Chmod</a:t>
+            </a:r>
+            <a:r>
+              <a:rPr lang="en-US" altLang="ko-KR" dirty="0" smtClean="0"/>
+              <a:t> </a:t>
+            </a:r>
+            <a:r>
+              <a:rPr lang="ko-KR" altLang="en-US" dirty="0" smtClean="0"/>
+              <a:t>로 파일 권한을 바꿔줘야 </a:t>
+            </a:r>
+            <a:r>
+              <a:rPr lang="ko-KR" altLang="en-US" dirty="0" err="1" smtClean="0"/>
+              <a:t>쉘</a:t>
+            </a:r>
+            <a:r>
+              <a:rPr lang="ko-KR" altLang="en-US" dirty="0" smtClean="0"/>
+              <a:t> 코드를 실행 시킬 수 있다</a:t>
+            </a:r>
+            <a:r>
+              <a:rPr lang="en-US" altLang="ko-KR" dirty="0" smtClean="0"/>
+              <a:t>.</a:t>
+            </a:r>
+          </a:p>
+          <a:p>
+            <a:r>
+              <a:rPr lang="en-US" altLang="ko-KR" dirty="0" err="1" smtClean="0"/>
+              <a:t>Chmod</a:t>
+            </a:r>
+            <a:r>
+              <a:rPr lang="en-US" altLang="ko-KR" dirty="0" smtClean="0"/>
+              <a:t> 700 </a:t>
+            </a:r>
+            <a:r>
+              <a:rPr lang="ko-KR" altLang="en-US" dirty="0" smtClean="0"/>
+              <a:t>파일 이름 으로 권한을 바꿔주고 실행해보자</a:t>
+            </a:r>
+            <a:endParaRPr lang="en-US" altLang="ko-KR" dirty="0" smtClean="0"/>
+          </a:p>
+          <a:p>
+            <a:endParaRPr lang="ko-KR" altLang="en-US" dirty="0"/>
+          </a:p>
+        </p:txBody>
+      </p:sp>
+      <p:pic>
+        <p:nvPicPr>
+          <p:cNvPr id="5" name="그림 4"/>
+          <p:cNvPicPr>
+            <a:picLocks noChangeAspect="1"/>
+          </p:cNvPicPr>
+          <p:nvPr/>
+        </p:nvPicPr>
+        <p:blipFill>
+          <a:blip r:embed="rId2"/>
+          <a:stretch>
+            <a:fillRect/>
+          </a:stretch>
+        </p:blipFill>
+        <p:spPr>
+          <a:xfrm>
+            <a:off x="1319402" y="1521332"/>
+            <a:ext cx="6556863" cy="1136523"/>
+          </a:xfrm>
+          <a:prstGeom prst="rect">
+            <a:avLst/>
+          </a:prstGeom>
+        </p:spPr>
+      </p:pic>
+      <p:pic>
+        <p:nvPicPr>
+          <p:cNvPr id="6" name="그림 5"/>
+          <p:cNvPicPr>
+            <a:picLocks noChangeAspect="1"/>
+          </p:cNvPicPr>
+          <p:nvPr/>
+        </p:nvPicPr>
+        <p:blipFill>
+          <a:blip r:embed="rId3"/>
+          <a:stretch>
+            <a:fillRect/>
+          </a:stretch>
+        </p:blipFill>
+        <p:spPr>
+          <a:xfrm>
+            <a:off x="1505140" y="4500752"/>
+            <a:ext cx="6060052" cy="1156335"/>
+          </a:xfrm>
+          <a:prstGeom prst="rect">
+            <a:avLst/>
+          </a:prstGeom>
+        </p:spPr>
+      </p:pic>
+    </p:spTree>
+    <p:extLst>
+      <p:ext uri="{BB962C8B-B14F-4D97-AF65-F5344CB8AC3E}">
+        <p14:creationId xmlns:p14="http://schemas.microsoft.com/office/powerpoint/2010/main" val="1944404710"/>
+      </p:ext>
+    </p:extLst>
+  </p:cSld>
+  <p:clrMapOvr>
+    <a:masterClrMapping/>
+  </p:clrMapOvr>
+</p:sld>
+</file>
+
+<file path=ppt/slides/slide24.xml><?xml version="1.0" encoding="utf-8"?>
+<p:sld xmlns:a="http://schemas.openxmlformats.org/drawingml/2006/main" xmlns:r="http://schemas.openxmlformats.org/officeDocument/2006/relationships" xmlns:p="http://schemas.openxmlformats.org/presentationml/2006/main">
+  <p:cSld>
+    <p:spTree>
+      <p:nvGrpSpPr>
+        <p:cNvPr id="1" name=""/>
+        <p:cNvGrpSpPr/>
+        <p:nvPr/>
+      </p:nvGrpSpPr>
+      <p:grpSpPr>
+        <a:xfrm>
+          <a:off x="0" y="0"/>
+          <a:ext cx="0" cy="0"/>
+          <a:chOff x="0" y="0"/>
+          <a:chExt cx="0" cy="0"/>
+        </a:xfrm>
+      </p:grpSpPr>
+      <p:sp>
+        <p:nvSpPr>
+          <p:cNvPr id="2" name="제목 1"/>
+          <p:cNvSpPr>
+            <a:spLocks noGrp="1"/>
+          </p:cNvSpPr>
+          <p:nvPr>
+            <p:ph type="title"/>
+          </p:nvPr>
+        </p:nvSpPr>
+        <p:spPr/>
+        <p:txBody>
+          <a:bodyPr/>
+          <a:lstStyle/>
+          <a:p>
+            <a:r>
+              <a:rPr lang="ko-KR" altLang="en-US" dirty="0" smtClean="0"/>
+              <a:t>변수</a:t>
+            </a:r>
+            <a:endParaRPr lang="ko-KR" altLang="en-US" dirty="0"/>
+          </a:p>
+        </p:txBody>
+      </p:sp>
+      <p:sp>
+        <p:nvSpPr>
+          <p:cNvPr id="3" name="내용 개체 틀 2"/>
+          <p:cNvSpPr>
+            <a:spLocks noGrp="1"/>
+          </p:cNvSpPr>
+          <p:nvPr>
+            <p:ph idx="1"/>
+          </p:nvPr>
+        </p:nvSpPr>
+        <p:spPr/>
+        <p:txBody>
+          <a:bodyPr/>
+          <a:lstStyle/>
+          <a:p>
+            <a:r>
+              <a:rPr lang="ko-KR" altLang="en-US" dirty="0" smtClean="0"/>
+              <a:t>다음과 같이 적고 실행해보자</a:t>
+            </a:r>
+            <a:endParaRPr lang="en-US" altLang="ko-KR" dirty="0" smtClean="0"/>
+          </a:p>
+          <a:p>
+            <a:endParaRPr lang="en-US" altLang="ko-KR" dirty="0"/>
+          </a:p>
+          <a:p>
+            <a:endParaRPr lang="en-US" altLang="ko-KR" dirty="0" smtClean="0"/>
+          </a:p>
+          <a:p>
+            <a:endParaRPr lang="en-US" altLang="ko-KR" dirty="0"/>
+          </a:p>
+          <a:p>
+            <a:r>
+              <a:rPr lang="ko-KR" altLang="en-US" dirty="0" smtClean="0"/>
+              <a:t>변수의 선언은 </a:t>
+            </a:r>
+            <a:r>
+              <a:rPr lang="en-US" altLang="ko-KR" dirty="0" smtClean="0"/>
+              <a:t>$</a:t>
+            </a:r>
+            <a:r>
+              <a:rPr lang="ko-KR" altLang="en-US" dirty="0" smtClean="0"/>
+              <a:t>없이 </a:t>
+            </a:r>
+            <a:r>
+              <a:rPr lang="en-US" altLang="ko-KR" dirty="0" smtClean="0"/>
+              <a:t>=</a:t>
+            </a:r>
+            <a:r>
+              <a:rPr lang="ko-KR" altLang="en-US" dirty="0" smtClean="0"/>
+              <a:t>좌우 사이를 붙여서 선언한다</a:t>
+            </a:r>
+            <a:r>
+              <a:rPr lang="en-US" altLang="ko-KR" dirty="0" smtClean="0"/>
+              <a:t>. </a:t>
+            </a:r>
+            <a:br>
+              <a:rPr lang="en-US" altLang="ko-KR" dirty="0" smtClean="0"/>
+            </a:br>
+            <a:r>
+              <a:rPr lang="ko-KR" altLang="en-US" dirty="0" smtClean="0"/>
+              <a:t>이후 선언한 변수를 쓰려면 </a:t>
+            </a:r>
+            <a:r>
+              <a:rPr lang="ko-KR" altLang="en-US" dirty="0" err="1" smtClean="0"/>
+              <a:t>변수명</a:t>
+            </a:r>
+            <a:r>
+              <a:rPr lang="ko-KR" altLang="en-US" dirty="0" smtClean="0"/>
+              <a:t> 앞에 </a:t>
+            </a:r>
+            <a:r>
+              <a:rPr lang="en-US" altLang="ko-KR" dirty="0" smtClean="0"/>
+              <a:t>$</a:t>
+            </a:r>
+            <a:r>
+              <a:rPr lang="ko-KR" altLang="en-US" dirty="0" smtClean="0"/>
+              <a:t>을 붙여 쓴다</a:t>
+            </a:r>
+            <a:r>
+              <a:rPr lang="en-US" altLang="ko-KR" dirty="0" smtClean="0"/>
+              <a:t>.</a:t>
+            </a:r>
+            <a:r>
+              <a:rPr lang="ko-KR" altLang="en-US" dirty="0" smtClean="0"/>
+              <a:t> </a:t>
+            </a:r>
+            <a:endParaRPr lang="en-US" altLang="ko-KR" dirty="0" smtClean="0"/>
+          </a:p>
+          <a:p>
+            <a:endParaRPr lang="en-US" altLang="ko-KR" dirty="0" smtClean="0"/>
+          </a:p>
+          <a:p>
+            <a:r>
+              <a:rPr lang="ko-KR" altLang="en-US" dirty="0" smtClean="0"/>
+              <a:t>다시 변수에 새로운 값을 할당할 때에도 </a:t>
+            </a:r>
+            <a:r>
+              <a:rPr lang="en-US" altLang="ko-KR" dirty="0" smtClean="0"/>
+              <a:t>$</a:t>
+            </a:r>
+            <a:r>
+              <a:rPr lang="ko-KR" altLang="en-US" dirty="0" smtClean="0"/>
+              <a:t>을 쓰지 않는다</a:t>
+            </a:r>
+            <a:r>
+              <a:rPr lang="en-US" altLang="ko-KR" dirty="0" smtClean="0"/>
+              <a:t>.</a:t>
+            </a:r>
+            <a:endParaRPr lang="en-US" altLang="ko-KR" dirty="0"/>
+          </a:p>
+          <a:p>
+            <a:endParaRPr lang="en-US" altLang="ko-KR" dirty="0"/>
+          </a:p>
+        </p:txBody>
+      </p:sp>
+      <p:pic>
+        <p:nvPicPr>
+          <p:cNvPr id="5" name="그림 4"/>
+          <p:cNvPicPr>
+            <a:picLocks noChangeAspect="1"/>
+          </p:cNvPicPr>
+          <p:nvPr/>
+        </p:nvPicPr>
+        <p:blipFill>
+          <a:blip r:embed="rId2"/>
+          <a:stretch>
+            <a:fillRect/>
+          </a:stretch>
+        </p:blipFill>
+        <p:spPr>
+          <a:xfrm>
+            <a:off x="1908048" y="1398650"/>
+            <a:ext cx="5531998" cy="1234821"/>
+          </a:xfrm>
+          <a:prstGeom prst="rect">
+            <a:avLst/>
+          </a:prstGeom>
+        </p:spPr>
+      </p:pic>
+    </p:spTree>
+    <p:extLst>
+      <p:ext uri="{BB962C8B-B14F-4D97-AF65-F5344CB8AC3E}">
+        <p14:creationId xmlns:p14="http://schemas.microsoft.com/office/powerpoint/2010/main" val="2528144565"/>
+      </p:ext>
+    </p:extLst>
+  </p:cSld>
+  <p:clrMapOvr>
+    <a:masterClrMapping/>
+  </p:clrMapOvr>
+</p:sld>
+</file>
+
+<file path=ppt/slides/slide25.xml><?xml version="1.0" encoding="utf-8"?>
+<p:sld xmlns:a="http://schemas.openxmlformats.org/drawingml/2006/main" xmlns:r="http://schemas.openxmlformats.org/officeDocument/2006/relationships" xmlns:p="http://schemas.openxmlformats.org/presentationml/2006/main">
+  <p:cSld>
+    <p:spTree>
+      <p:nvGrpSpPr>
+        <p:cNvPr id="1" name=""/>
+        <p:cNvGrpSpPr/>
+        <p:nvPr/>
+      </p:nvGrpSpPr>
+      <p:grpSpPr>
+        <a:xfrm>
+          <a:off x="0" y="0"/>
+          <a:ext cx="0" cy="0"/>
+          <a:chOff x="0" y="0"/>
+          <a:chExt cx="0" cy="0"/>
+        </a:xfrm>
+      </p:grpSpPr>
+      <p:sp>
+        <p:nvSpPr>
+          <p:cNvPr id="2" name="제목 1"/>
+          <p:cNvSpPr>
+            <a:spLocks noGrp="1"/>
+          </p:cNvSpPr>
+          <p:nvPr>
+            <p:ph type="title"/>
+          </p:nvPr>
+        </p:nvSpPr>
+        <p:spPr/>
+        <p:txBody>
+          <a:bodyPr/>
+          <a:lstStyle/>
+          <a:p>
+            <a:r>
+              <a:rPr lang="ko-KR" altLang="en-US" dirty="0" smtClean="0"/>
+              <a:t>변수</a:t>
+            </a:r>
+            <a:endParaRPr lang="ko-KR" altLang="en-US" dirty="0"/>
+          </a:p>
+        </p:txBody>
+      </p:sp>
+      <p:sp>
+        <p:nvSpPr>
+          <p:cNvPr id="3" name="내용 개체 틀 2"/>
+          <p:cNvSpPr>
+            <a:spLocks noGrp="1"/>
+          </p:cNvSpPr>
+          <p:nvPr>
+            <p:ph idx="1"/>
+          </p:nvPr>
+        </p:nvSpPr>
+        <p:spPr/>
+        <p:txBody>
+          <a:bodyPr/>
+          <a:lstStyle/>
+          <a:p>
+            <a:r>
+              <a:rPr lang="en-US" altLang="ko-KR" dirty="0" smtClean="0"/>
+              <a:t>./</a:t>
+            </a:r>
+            <a:r>
+              <a:rPr lang="en-US" altLang="ko-KR" dirty="0" err="1" smtClean="0"/>
+              <a:t>sh</a:t>
+            </a:r>
+            <a:r>
+              <a:rPr lang="ko-KR" altLang="en-US" dirty="0" smtClean="0"/>
+              <a:t>의 모든 변수는 </a:t>
+            </a:r>
+            <a:r>
+              <a:rPr lang="en-US" altLang="ko-KR" dirty="0" smtClean="0"/>
+              <a:t/>
+            </a:r>
+            <a:br>
+              <a:rPr lang="en-US" altLang="ko-KR" dirty="0" smtClean="0"/>
+            </a:br>
+            <a:r>
+              <a:rPr lang="ko-KR" altLang="en-US" dirty="0" smtClean="0"/>
+              <a:t>문자열기반</a:t>
+            </a:r>
+            <a:endParaRPr lang="en-US" altLang="ko-KR" dirty="0" smtClean="0"/>
+          </a:p>
+          <a:p>
+            <a:endParaRPr lang="en-US" altLang="ko-KR" dirty="0"/>
+          </a:p>
+          <a:p>
+            <a:r>
+              <a:rPr lang="ko-KR" altLang="en-US" dirty="0" smtClean="0"/>
+              <a:t>옆의 코드는 </a:t>
+            </a:r>
+            <a:r>
+              <a:rPr lang="en-US" altLang="ko-KR" dirty="0" smtClean="0"/>
+              <a:t>11+9</a:t>
+            </a:r>
+            <a:r>
+              <a:rPr lang="ko-KR" altLang="en-US" dirty="0" smtClean="0"/>
+              <a:t>가 출력됨</a:t>
+            </a:r>
+            <a:endParaRPr lang="en-US" altLang="ko-KR" dirty="0" smtClean="0"/>
+          </a:p>
+          <a:p>
+            <a:r>
+              <a:rPr lang="en-US" altLang="ko-KR" dirty="0" smtClean="0"/>
+              <a:t>-&gt; </a:t>
+            </a:r>
+            <a:r>
+              <a:rPr lang="ko-KR" altLang="en-US" dirty="0" smtClean="0"/>
+              <a:t>명령어 해석기인 </a:t>
+            </a:r>
+            <a:r>
+              <a:rPr lang="en-US" altLang="ko-KR" dirty="0" smtClean="0"/>
+              <a:t>shell</a:t>
+            </a:r>
+            <a:r>
+              <a:rPr lang="ko-KR" altLang="en-US" dirty="0" smtClean="0"/>
+              <a:t>을 기초로 하기 때문</a:t>
+            </a:r>
+            <a:endParaRPr lang="en-US" altLang="ko-KR" dirty="0" smtClean="0"/>
+          </a:p>
+          <a:p>
+            <a:endParaRPr lang="en-US" altLang="ko-KR" dirty="0"/>
+          </a:p>
+          <a:p>
+            <a:r>
+              <a:rPr lang="ko-KR" altLang="en-US" dirty="0" err="1" smtClean="0"/>
+              <a:t>리눅스</a:t>
+            </a:r>
+            <a:r>
+              <a:rPr lang="ko-KR" altLang="en-US" dirty="0" smtClean="0"/>
+              <a:t> 계산기인 </a:t>
+            </a:r>
+            <a:r>
+              <a:rPr lang="en-US" altLang="ko-KR" dirty="0" err="1" smtClean="0"/>
+              <a:t>bc</a:t>
+            </a:r>
+            <a:r>
+              <a:rPr lang="en-US" altLang="ko-KR" dirty="0" smtClean="0"/>
+              <a:t> </a:t>
+            </a:r>
+            <a:r>
+              <a:rPr lang="ko-KR" altLang="en-US" dirty="0" smtClean="0"/>
+              <a:t>명령어</a:t>
+            </a:r>
+            <a:r>
+              <a:rPr lang="en-US" altLang="ko-KR" dirty="0" smtClean="0"/>
+              <a:t/>
+            </a:r>
+            <a:br>
+              <a:rPr lang="en-US" altLang="ko-KR" dirty="0" smtClean="0"/>
+            </a:br>
+            <a:r>
+              <a:rPr lang="ko-KR" altLang="en-US" dirty="0" smtClean="0"/>
+              <a:t>로 파이프를 연결하여 해결</a:t>
+            </a:r>
+            <a:endParaRPr lang="ko-KR" altLang="en-US" dirty="0"/>
+          </a:p>
+        </p:txBody>
+      </p:sp>
+      <p:pic>
+        <p:nvPicPr>
+          <p:cNvPr id="5" name="그림 4"/>
+          <p:cNvPicPr>
+            <a:picLocks noChangeAspect="1"/>
+          </p:cNvPicPr>
+          <p:nvPr/>
+        </p:nvPicPr>
+        <p:blipFill>
+          <a:blip r:embed="rId2"/>
+          <a:stretch>
+            <a:fillRect/>
+          </a:stretch>
+        </p:blipFill>
+        <p:spPr>
+          <a:xfrm>
+            <a:off x="4819650" y="914400"/>
+            <a:ext cx="3385566" cy="1716966"/>
+          </a:xfrm>
+          <a:prstGeom prst="rect">
+            <a:avLst/>
+          </a:prstGeom>
+        </p:spPr>
+      </p:pic>
+      <p:pic>
+        <p:nvPicPr>
+          <p:cNvPr id="6" name="그림 5"/>
+          <p:cNvPicPr>
+            <a:picLocks noChangeAspect="1"/>
+          </p:cNvPicPr>
+          <p:nvPr/>
+        </p:nvPicPr>
+        <p:blipFill>
+          <a:blip r:embed="rId3"/>
+          <a:stretch>
+            <a:fillRect/>
+          </a:stretch>
+        </p:blipFill>
+        <p:spPr>
+          <a:xfrm>
+            <a:off x="4774155" y="3621371"/>
+            <a:ext cx="3476555" cy="1492758"/>
+          </a:xfrm>
+          <a:prstGeom prst="rect">
+            <a:avLst/>
+          </a:prstGeom>
+        </p:spPr>
+      </p:pic>
+    </p:spTree>
+    <p:extLst>
+      <p:ext uri="{BB962C8B-B14F-4D97-AF65-F5344CB8AC3E}">
+        <p14:creationId xmlns:p14="http://schemas.microsoft.com/office/powerpoint/2010/main" val="2113458281"/>
+      </p:ext>
+    </p:extLst>
+  </p:cSld>
+  <p:clrMapOvr>
+    <a:masterClrMapping/>
+  </p:clrMapOvr>
+</p:sld>
+</file>
+
+<file path=ppt/slides/slide26.xml><?xml version="1.0" encoding="utf-8"?>
+<p:sld xmlns:a="http://schemas.openxmlformats.org/drawingml/2006/main" xmlns:r="http://schemas.openxmlformats.org/officeDocument/2006/relationships" xmlns:p="http://schemas.openxmlformats.org/presentationml/2006/main">
+  <p:cSld>
+    <p:spTree>
+      <p:nvGrpSpPr>
+        <p:cNvPr id="1" name=""/>
+        <p:cNvGrpSpPr/>
+        <p:nvPr/>
+      </p:nvGrpSpPr>
+      <p:grpSpPr>
+        <a:xfrm>
+          <a:off x="0" y="0"/>
+          <a:ext cx="0" cy="0"/>
+          <a:chOff x="0" y="0"/>
+          <a:chExt cx="0" cy="0"/>
+        </a:xfrm>
+      </p:grpSpPr>
+      <p:sp>
+        <p:nvSpPr>
+          <p:cNvPr id="2" name="제목 1"/>
+          <p:cNvSpPr>
+            <a:spLocks noGrp="1"/>
+          </p:cNvSpPr>
+          <p:nvPr>
+            <p:ph type="title"/>
+          </p:nvPr>
+        </p:nvSpPr>
+        <p:spPr/>
+        <p:txBody>
+          <a:bodyPr/>
+          <a:lstStyle/>
+          <a:p>
+            <a:r>
+              <a:rPr lang="ko-KR" altLang="en-US" dirty="0" smtClean="0"/>
+              <a:t>명령어의 결과를 변수로</a:t>
+            </a:r>
+            <a:endParaRPr lang="ko-KR" altLang="en-US" dirty="0"/>
+          </a:p>
+        </p:txBody>
+      </p:sp>
+      <p:sp>
+        <p:nvSpPr>
+          <p:cNvPr id="3" name="내용 개체 틀 2"/>
+          <p:cNvSpPr>
+            <a:spLocks noGrp="1"/>
+          </p:cNvSpPr>
+          <p:nvPr>
+            <p:ph idx="1"/>
+          </p:nvPr>
+        </p:nvSpPr>
+        <p:spPr/>
+        <p:txBody>
+          <a:bodyPr/>
+          <a:lstStyle/>
+          <a:p>
+            <a:r>
+              <a:rPr lang="ko-KR" altLang="en-US" dirty="0" smtClean="0"/>
+              <a:t>키보드 </a:t>
+            </a:r>
+            <a:r>
+              <a:rPr lang="en-US" altLang="ko-KR" dirty="0" smtClean="0"/>
+              <a:t>1 </a:t>
+            </a:r>
+            <a:r>
+              <a:rPr lang="ko-KR" altLang="en-US" dirty="0" smtClean="0"/>
+              <a:t>옆에 있는 </a:t>
+            </a:r>
+            <a:r>
+              <a:rPr lang="en-US" altLang="ko-KR" dirty="0" smtClean="0"/>
+              <a:t>`</a:t>
+            </a:r>
+            <a:r>
+              <a:rPr lang="ko-KR" altLang="en-US" dirty="0" smtClean="0"/>
+              <a:t>로 명령어를 감쌈</a:t>
+            </a:r>
+            <a:r>
+              <a:rPr lang="en-US" altLang="ko-KR" dirty="0"/>
+              <a:t/>
+            </a:r>
+            <a:br>
+              <a:rPr lang="en-US" altLang="ko-KR" dirty="0"/>
+            </a:br>
+            <a:r>
+              <a:rPr lang="en-US" altLang="ko-KR" dirty="0" smtClean="0"/>
+              <a:t>or 3</a:t>
+            </a:r>
+            <a:r>
+              <a:rPr lang="ko-KR" altLang="en-US" dirty="0" smtClean="0"/>
+              <a:t>번째 줄과 같이 </a:t>
+            </a:r>
+            <a:r>
+              <a:rPr lang="ko-KR" altLang="en-US" dirty="0" err="1" smtClean="0"/>
+              <a:t>선언시</a:t>
+            </a:r>
+            <a:r>
+              <a:rPr lang="ko-KR" altLang="en-US" dirty="0" smtClean="0"/>
+              <a:t> 명령어의 결과가 저장됨</a:t>
+            </a:r>
+            <a:endParaRPr lang="en-US" altLang="ko-KR" dirty="0"/>
+          </a:p>
+          <a:p>
+            <a:endParaRPr lang="ko-KR" altLang="en-US" dirty="0"/>
+          </a:p>
+        </p:txBody>
+      </p:sp>
+      <p:pic>
+        <p:nvPicPr>
+          <p:cNvPr id="5" name="그림 4"/>
+          <p:cNvPicPr>
+            <a:picLocks noChangeAspect="1"/>
+          </p:cNvPicPr>
+          <p:nvPr/>
+        </p:nvPicPr>
+        <p:blipFill>
+          <a:blip r:embed="rId2"/>
+          <a:stretch>
+            <a:fillRect/>
+          </a:stretch>
+        </p:blipFill>
+        <p:spPr>
+          <a:xfrm>
+            <a:off x="1203960" y="2816352"/>
+            <a:ext cx="6736080" cy="2694432"/>
+          </a:xfrm>
+          <a:prstGeom prst="rect">
+            <a:avLst/>
+          </a:prstGeom>
+        </p:spPr>
+      </p:pic>
+    </p:spTree>
+    <p:extLst>
+      <p:ext uri="{BB962C8B-B14F-4D97-AF65-F5344CB8AC3E}">
+        <p14:creationId xmlns:p14="http://schemas.microsoft.com/office/powerpoint/2010/main" val="3744741907"/>
+      </p:ext>
+    </p:extLst>
+  </p:cSld>
+  <p:clrMapOvr>
+    <a:masterClrMapping/>
+  </p:clrMapOvr>
+</p:sld>
+</file>
+
+<file path=ppt/slides/slide27.xml><?xml version="1.0" encoding="utf-8"?>
+<p:sld xmlns:a="http://schemas.openxmlformats.org/drawingml/2006/main" xmlns:r="http://schemas.openxmlformats.org/officeDocument/2006/relationships" xmlns:p="http://schemas.openxmlformats.org/presentationml/2006/main">
+  <p:cSld>
+    <p:spTree>
+      <p:nvGrpSpPr>
+        <p:cNvPr id="1" name=""/>
+        <p:cNvGrpSpPr/>
+        <p:nvPr/>
+      </p:nvGrpSpPr>
+      <p:grpSpPr>
+        <a:xfrm>
+          <a:off x="0" y="0"/>
+          <a:ext cx="0" cy="0"/>
+          <a:chOff x="0" y="0"/>
+          <a:chExt cx="0" cy="0"/>
+        </a:xfrm>
+      </p:grpSpPr>
+      <p:sp>
+        <p:nvSpPr>
+          <p:cNvPr id="2" name="제목 1"/>
+          <p:cNvSpPr>
+            <a:spLocks noGrp="1"/>
+          </p:cNvSpPr>
+          <p:nvPr>
+            <p:ph type="title"/>
+          </p:nvPr>
+        </p:nvSpPr>
+        <p:spPr/>
+        <p:txBody>
+          <a:bodyPr/>
+          <a:lstStyle/>
+          <a:p>
+            <a:r>
+              <a:rPr lang="en-US" altLang="ko-KR" dirty="0" smtClean="0"/>
+              <a:t>If</a:t>
+            </a:r>
+            <a:r>
+              <a:rPr lang="ko-KR" altLang="en-US" dirty="0"/>
+              <a:t>문</a:t>
+            </a:r>
+          </a:p>
+        </p:txBody>
+      </p:sp>
+      <p:sp>
+        <p:nvSpPr>
+          <p:cNvPr id="3" name="내용 개체 틀 2"/>
+          <p:cNvSpPr>
+            <a:spLocks noGrp="1"/>
+          </p:cNvSpPr>
+          <p:nvPr>
+            <p:ph idx="1"/>
+          </p:nvPr>
+        </p:nvSpPr>
+        <p:spPr/>
+        <p:txBody>
+          <a:bodyPr/>
+          <a:lstStyle/>
+          <a:p>
+            <a:r>
+              <a:rPr lang="en-US" altLang="ko-KR" dirty="0" smtClean="0"/>
+              <a:t>If [</a:t>
+            </a:r>
+            <a:r>
+              <a:rPr lang="en-US" altLang="ko-KR" dirty="0" err="1" smtClean="0"/>
+              <a:t>condtion</a:t>
+            </a:r>
+            <a:r>
+              <a:rPr lang="en-US" altLang="ko-KR" dirty="0" smtClean="0"/>
+              <a:t>]</a:t>
+            </a:r>
+            <a:br>
+              <a:rPr lang="en-US" altLang="ko-KR" dirty="0" smtClean="0"/>
+            </a:br>
+            <a:r>
+              <a:rPr lang="en-US" altLang="ko-KR" dirty="0" smtClean="0"/>
+              <a:t>then</a:t>
+            </a:r>
+            <a:br>
+              <a:rPr lang="en-US" altLang="ko-KR" dirty="0" smtClean="0"/>
+            </a:br>
+            <a:r>
+              <a:rPr lang="en-US" altLang="ko-KR" dirty="0" smtClean="0"/>
+              <a:t>	command</a:t>
+            </a:r>
+            <a:br>
+              <a:rPr lang="en-US" altLang="ko-KR" dirty="0" smtClean="0"/>
+            </a:br>
+            <a:r>
+              <a:rPr lang="en-US" altLang="ko-KR" dirty="0" smtClean="0"/>
+              <a:t>else</a:t>
+            </a:r>
+            <a:br>
+              <a:rPr lang="en-US" altLang="ko-KR" dirty="0" smtClean="0"/>
+            </a:br>
+            <a:r>
+              <a:rPr lang="en-US" altLang="ko-KR" dirty="0" smtClean="0"/>
+              <a:t>	command</a:t>
+            </a:r>
+            <a:br>
+              <a:rPr lang="en-US" altLang="ko-KR" dirty="0" smtClean="0"/>
+            </a:br>
+            <a:r>
+              <a:rPr lang="en-US" altLang="ko-KR" dirty="0" smtClean="0"/>
+              <a:t>fi</a:t>
+            </a:r>
+          </a:p>
+          <a:p>
+            <a:endParaRPr lang="en-US" altLang="ko-KR" dirty="0"/>
+          </a:p>
+          <a:p>
+            <a:r>
+              <a:rPr lang="en-US" altLang="ko-KR" dirty="0" smtClean="0"/>
+              <a:t>(())</a:t>
+            </a:r>
+            <a:r>
+              <a:rPr lang="ko-KR" altLang="en-US" dirty="0" smtClean="0"/>
+              <a:t>을 써서 </a:t>
+            </a:r>
+            <a:r>
+              <a:rPr lang="en-US" altLang="ko-KR" dirty="0" smtClean="0"/>
+              <a:t>C</a:t>
+            </a:r>
+            <a:r>
+              <a:rPr lang="ko-KR" altLang="en-US" dirty="0" smtClean="0"/>
+              <a:t>와 비슷하게 </a:t>
+            </a:r>
+            <a:r>
+              <a:rPr lang="en-US" altLang="ko-KR" dirty="0" smtClean="0"/>
+              <a:t/>
+            </a:r>
+            <a:br>
+              <a:rPr lang="en-US" altLang="ko-KR" dirty="0" smtClean="0"/>
+            </a:br>
+            <a:r>
+              <a:rPr lang="ko-KR" altLang="en-US" dirty="0" err="1" smtClean="0"/>
+              <a:t>비교문</a:t>
+            </a:r>
+            <a:r>
+              <a:rPr lang="ko-KR" altLang="en-US" dirty="0" smtClean="0"/>
+              <a:t> 작성가능</a:t>
+            </a:r>
+            <a:endParaRPr lang="en-US" altLang="ko-KR" dirty="0" smtClean="0"/>
+          </a:p>
+          <a:p>
+            <a:r>
+              <a:rPr lang="ko-KR" altLang="en-US" dirty="0" smtClean="0"/>
+              <a:t>이외의 방법들은 명령어들을 실행하고 그 결과값을 써서 비교하므로 </a:t>
+            </a:r>
+            <a:r>
+              <a:rPr lang="ko-KR" altLang="en-US" dirty="0" err="1" smtClean="0"/>
+              <a:t>쉘에</a:t>
+            </a:r>
+            <a:r>
+              <a:rPr lang="ko-KR" altLang="en-US" dirty="0" smtClean="0"/>
+              <a:t> 익숙해지면 알아보자</a:t>
+            </a:r>
+            <a:r>
+              <a:rPr lang="en-US" altLang="ko-KR" dirty="0" smtClean="0"/>
+              <a:t>.</a:t>
+            </a:r>
+          </a:p>
+        </p:txBody>
+      </p:sp>
+      <p:pic>
+        <p:nvPicPr>
+          <p:cNvPr id="4" name="그림 3"/>
+          <p:cNvPicPr>
+            <a:picLocks noChangeAspect="1"/>
+          </p:cNvPicPr>
+          <p:nvPr/>
+        </p:nvPicPr>
+        <p:blipFill>
+          <a:blip r:embed="rId2"/>
+          <a:stretch>
+            <a:fillRect/>
+          </a:stretch>
+        </p:blipFill>
+        <p:spPr>
+          <a:xfrm>
+            <a:off x="4572000" y="914400"/>
+            <a:ext cx="3509391" cy="3417842"/>
+          </a:xfrm>
+          <a:prstGeom prst="rect">
+            <a:avLst/>
+          </a:prstGeom>
+        </p:spPr>
+      </p:pic>
+    </p:spTree>
+    <p:extLst>
+      <p:ext uri="{BB962C8B-B14F-4D97-AF65-F5344CB8AC3E}">
+        <p14:creationId xmlns:p14="http://schemas.microsoft.com/office/powerpoint/2010/main" val="2759768158"/>
+      </p:ext>
+    </p:extLst>
+  </p:cSld>
+  <p:clrMapOvr>
+    <a:masterClrMapping/>
+  </p:clrMapOvr>
+</p:sld>
+</file>
+
+<file path=ppt/slides/slide28.xml><?xml version="1.0" encoding="utf-8"?>
+<p:sld xmlns:a="http://schemas.openxmlformats.org/drawingml/2006/main" xmlns:r="http://schemas.openxmlformats.org/officeDocument/2006/relationships" xmlns:p="http://schemas.openxmlformats.org/presentationml/2006/main">
+  <p:cSld>
+    <p:spTree>
+      <p:nvGrpSpPr>
+        <p:cNvPr id="1" name=""/>
+        <p:cNvGrpSpPr/>
+        <p:nvPr/>
+      </p:nvGrpSpPr>
+      <p:grpSpPr>
+        <a:xfrm>
+          <a:off x="0" y="0"/>
+          <a:ext cx="0" cy="0"/>
+          <a:chOff x="0" y="0"/>
+          <a:chExt cx="0" cy="0"/>
+        </a:xfrm>
+      </p:grpSpPr>
+      <p:sp>
+        <p:nvSpPr>
+          <p:cNvPr id="2" name="제목 1"/>
+          <p:cNvSpPr>
+            <a:spLocks noGrp="1"/>
+          </p:cNvSpPr>
+          <p:nvPr>
+            <p:ph type="title"/>
+          </p:nvPr>
+        </p:nvSpPr>
+        <p:spPr/>
+        <p:txBody>
+          <a:bodyPr/>
+          <a:lstStyle/>
+          <a:p>
+            <a:r>
+              <a:rPr lang="ko-KR" altLang="en-US" dirty="0" smtClean="0"/>
+              <a:t>루프</a:t>
+            </a:r>
+            <a:r>
+              <a:rPr lang="en-US" altLang="ko-KR" dirty="0" smtClean="0"/>
+              <a:t>, for, while</a:t>
+            </a:r>
+            <a:endParaRPr lang="ko-KR" altLang="en-US" dirty="0"/>
+          </a:p>
+        </p:txBody>
+      </p:sp>
+      <p:sp>
+        <p:nvSpPr>
+          <p:cNvPr id="3" name="내용 개체 틀 2"/>
+          <p:cNvSpPr>
+            <a:spLocks noGrp="1"/>
+          </p:cNvSpPr>
+          <p:nvPr>
+            <p:ph idx="1"/>
+          </p:nvPr>
+        </p:nvSpPr>
+        <p:spPr/>
+        <p:txBody>
+          <a:bodyPr/>
+          <a:lstStyle/>
+          <a:p>
+            <a:r>
+              <a:rPr lang="en-US" altLang="ko-KR" dirty="0" smtClean="0"/>
+              <a:t>C</a:t>
+            </a:r>
+            <a:r>
+              <a:rPr lang="ko-KR" altLang="en-US" dirty="0" smtClean="0"/>
+              <a:t>나 </a:t>
+            </a:r>
+            <a:r>
+              <a:rPr lang="en-US" altLang="ko-KR" dirty="0" smtClean="0"/>
+              <a:t>Java</a:t>
+            </a:r>
+            <a:r>
+              <a:rPr lang="ko-KR" altLang="en-US" dirty="0" smtClean="0"/>
+              <a:t>의 </a:t>
+            </a:r>
+            <a:r>
+              <a:rPr lang="en-US" altLang="ko-KR" dirty="0" smtClean="0"/>
+              <a:t>for</a:t>
+            </a:r>
+            <a:r>
+              <a:rPr lang="ko-KR" altLang="en-US" dirty="0" smtClean="0"/>
+              <a:t>문과는 다름</a:t>
+            </a:r>
+            <a:r>
+              <a:rPr lang="en-US" altLang="ko-KR" dirty="0" smtClean="0"/>
+              <a:t>, </a:t>
+            </a:r>
+            <a:r>
+              <a:rPr lang="en-US" altLang="ko-KR" dirty="0" err="1" smtClean="0"/>
+              <a:t>foreach</a:t>
+            </a:r>
+            <a:r>
+              <a:rPr lang="ko-KR" altLang="en-US" dirty="0" smtClean="0"/>
+              <a:t>와 </a:t>
+            </a:r>
+            <a:r>
+              <a:rPr lang="ko-KR" altLang="en-US" dirty="0" err="1" smtClean="0"/>
+              <a:t>비슷</a:t>
+            </a:r>
+            <a:endParaRPr lang="en-US" altLang="ko-KR" dirty="0" smtClean="0"/>
+          </a:p>
+          <a:p>
+            <a:r>
+              <a:rPr lang="en-US" altLang="ko-KR" b="1" dirty="0"/>
+              <a:t>for</a:t>
+            </a:r>
+            <a:r>
+              <a:rPr lang="en-US" altLang="ko-KR" dirty="0"/>
+              <a:t> </a:t>
+            </a:r>
+            <a:r>
+              <a:rPr lang="en-US" altLang="ko-KR" i="1" dirty="0" err="1"/>
+              <a:t>arg</a:t>
+            </a:r>
+            <a:r>
+              <a:rPr lang="en-US" altLang="ko-KR" dirty="0"/>
+              <a:t> in [</a:t>
+            </a:r>
+            <a:r>
+              <a:rPr lang="en-US" altLang="ko-KR" i="1" dirty="0"/>
+              <a:t>list</a:t>
+            </a:r>
+            <a:r>
+              <a:rPr lang="en-US" altLang="ko-KR" dirty="0"/>
+              <a:t>]</a:t>
+            </a:r>
+            <a:br>
+              <a:rPr lang="en-US" altLang="ko-KR" dirty="0"/>
+            </a:br>
+            <a:r>
+              <a:rPr lang="en-US" altLang="ko-KR" dirty="0"/>
+              <a:t>do </a:t>
+            </a:r>
+            <a:br>
+              <a:rPr lang="en-US" altLang="ko-KR" dirty="0"/>
+            </a:br>
+            <a:r>
+              <a:rPr lang="en-US" altLang="ko-KR" i="1" dirty="0"/>
+              <a:t>command</a:t>
+            </a:r>
+            <a:r>
+              <a:rPr lang="en-US" altLang="ko-KR" dirty="0"/>
+              <a:t>... </a:t>
+            </a:r>
+            <a:br>
+              <a:rPr lang="en-US" altLang="ko-KR" dirty="0"/>
+            </a:br>
+            <a:r>
+              <a:rPr lang="en-US" altLang="ko-KR" dirty="0" smtClean="0"/>
+              <a:t>Done</a:t>
+            </a:r>
+          </a:p>
+          <a:p>
+            <a:r>
+              <a:rPr lang="en-US" altLang="ko-KR" dirty="0"/>
+              <a:t>while [</a:t>
+            </a:r>
+            <a:r>
+              <a:rPr lang="en-US" altLang="ko-KR" dirty="0" smtClean="0"/>
+              <a:t>condition]</a:t>
+            </a:r>
+            <a:br>
+              <a:rPr lang="en-US" altLang="ko-KR" dirty="0" smtClean="0"/>
+            </a:br>
+            <a:r>
+              <a:rPr lang="en-US" altLang="ko-KR" dirty="0" smtClean="0"/>
+              <a:t>do </a:t>
+            </a:r>
+            <a:br>
+              <a:rPr lang="en-US" altLang="ko-KR" dirty="0" smtClean="0"/>
+            </a:br>
+            <a:r>
+              <a:rPr lang="en-US" altLang="ko-KR" dirty="0" smtClean="0"/>
+              <a:t>command</a:t>
+            </a:r>
+            <a:r>
+              <a:rPr lang="en-US" altLang="ko-KR" dirty="0"/>
+              <a:t>... </a:t>
+            </a:r>
+            <a:r>
+              <a:rPr lang="en-US" altLang="ko-KR" dirty="0" smtClean="0"/>
+              <a:t/>
+            </a:r>
+            <a:br>
+              <a:rPr lang="en-US" altLang="ko-KR" dirty="0" smtClean="0"/>
+            </a:br>
+            <a:r>
+              <a:rPr lang="en-US" altLang="ko-KR" dirty="0" smtClean="0"/>
+              <a:t>done</a:t>
+            </a:r>
+            <a:endParaRPr lang="ko-KR" altLang="ko-KR" dirty="0"/>
+          </a:p>
+          <a:p>
+            <a:endParaRPr lang="en-US" altLang="ko-KR" dirty="0" smtClean="0"/>
+          </a:p>
+          <a:p>
+            <a:r>
+              <a:rPr lang="ko-KR" altLang="en-US" dirty="0" smtClean="0"/>
+              <a:t>이중소괄호로 </a:t>
+            </a:r>
+            <a:r>
+              <a:rPr lang="en-US" altLang="ko-KR" dirty="0" smtClean="0"/>
+              <a:t>C</a:t>
+            </a:r>
+            <a:r>
+              <a:rPr lang="ko-KR" altLang="en-US" dirty="0" smtClean="0"/>
+              <a:t>와 비슷하게 구현가능</a:t>
+            </a:r>
+            <a:endParaRPr lang="en-US" altLang="ko-KR" dirty="0" smtClean="0"/>
+          </a:p>
+          <a:p>
+            <a:pPr marL="0" indent="0">
+              <a:buNone/>
+            </a:pPr>
+            <a:endParaRPr lang="ko-KR" altLang="en-US" dirty="0"/>
+          </a:p>
+        </p:txBody>
+      </p:sp>
+      <p:pic>
+        <p:nvPicPr>
+          <p:cNvPr id="4" name="그림 3"/>
+          <p:cNvPicPr>
+            <a:picLocks noChangeAspect="1"/>
+          </p:cNvPicPr>
+          <p:nvPr/>
+        </p:nvPicPr>
+        <p:blipFill>
+          <a:blip r:embed="rId2"/>
+          <a:stretch>
+            <a:fillRect/>
+          </a:stretch>
+        </p:blipFill>
+        <p:spPr>
+          <a:xfrm>
+            <a:off x="4070604" y="1338452"/>
+            <a:ext cx="4070838" cy="1587627"/>
+          </a:xfrm>
+          <a:prstGeom prst="rect">
+            <a:avLst/>
+          </a:prstGeom>
+        </p:spPr>
+      </p:pic>
+      <p:pic>
+        <p:nvPicPr>
+          <p:cNvPr id="8" name="그림 7"/>
+          <p:cNvPicPr>
+            <a:picLocks noChangeAspect="1"/>
+          </p:cNvPicPr>
+          <p:nvPr/>
+        </p:nvPicPr>
+        <p:blipFill>
+          <a:blip r:embed="rId3"/>
+          <a:stretch>
+            <a:fillRect/>
+          </a:stretch>
+        </p:blipFill>
+        <p:spPr>
+          <a:xfrm>
+            <a:off x="4572000" y="3225484"/>
+            <a:ext cx="3294317" cy="1933285"/>
+          </a:xfrm>
+          <a:prstGeom prst="rect">
+            <a:avLst/>
+          </a:prstGeom>
+        </p:spPr>
+      </p:pic>
+    </p:spTree>
+    <p:extLst>
+      <p:ext uri="{BB962C8B-B14F-4D97-AF65-F5344CB8AC3E}">
+        <p14:creationId xmlns:p14="http://schemas.microsoft.com/office/powerpoint/2010/main" val="2670037853"/>
+      </p:ext>
+    </p:extLst>
+  </p:cSld>
+  <p:clrMapOvr>
+    <a:masterClrMapping/>
+  </p:clrMapOvr>
+</p:sld>
+</file>
+
+<file path=ppt/slides/slide29.xml><?xml version="1.0" encoding="utf-8"?>
+<p:sld xmlns:a="http://schemas.openxmlformats.org/drawingml/2006/main" xmlns:r="http://schemas.openxmlformats.org/officeDocument/2006/relationships" xmlns:p="http://schemas.openxmlformats.org/presentationml/2006/main">
+  <p:cSld>
+    <p:spTree>
+      <p:nvGrpSpPr>
+        <p:cNvPr id="1" name=""/>
+        <p:cNvGrpSpPr/>
+        <p:nvPr/>
+      </p:nvGrpSpPr>
+      <p:grpSpPr>
+        <a:xfrm>
+          <a:off x="0" y="0"/>
+          <a:ext cx="0" cy="0"/>
+          <a:chOff x="0" y="0"/>
+          <a:chExt cx="0" cy="0"/>
+        </a:xfrm>
+      </p:grpSpPr>
+      <p:sp>
+        <p:nvSpPr>
+          <p:cNvPr id="2" name="제목 1"/>
+          <p:cNvSpPr>
+            <a:spLocks noGrp="1"/>
+          </p:cNvSpPr>
+          <p:nvPr>
+            <p:ph type="title"/>
+          </p:nvPr>
+        </p:nvSpPr>
+        <p:spPr/>
+        <p:txBody>
+          <a:bodyPr/>
+          <a:lstStyle/>
+          <a:p>
+            <a:r>
+              <a:rPr lang="ko-KR" altLang="en-US" dirty="0" smtClean="0"/>
+              <a:t>조건과 루프</a:t>
+            </a:r>
+            <a:endParaRPr lang="ko-KR" altLang="en-US" dirty="0"/>
+          </a:p>
+        </p:txBody>
+      </p:sp>
+      <p:sp>
+        <p:nvSpPr>
+          <p:cNvPr id="3" name="내용 개체 틀 2"/>
+          <p:cNvSpPr>
+            <a:spLocks noGrp="1"/>
+          </p:cNvSpPr>
+          <p:nvPr>
+            <p:ph idx="1"/>
+          </p:nvPr>
+        </p:nvSpPr>
+        <p:spPr/>
+        <p:txBody>
+          <a:bodyPr/>
+          <a:lstStyle/>
+          <a:p>
+            <a:r>
+              <a:rPr lang="ko-KR" altLang="en-US" dirty="0" smtClean="0"/>
+              <a:t>구구단 </a:t>
+            </a:r>
+            <a:r>
+              <a:rPr lang="en-US" altLang="ko-KR" dirty="0" smtClean="0"/>
+              <a:t>3</a:t>
+            </a:r>
+            <a:r>
+              <a:rPr lang="ko-KR" altLang="en-US" dirty="0" smtClean="0"/>
+              <a:t>의 배수만 출력하기</a:t>
+            </a:r>
+            <a:endParaRPr lang="ko-KR" altLang="en-US" dirty="0"/>
+          </a:p>
+        </p:txBody>
+      </p:sp>
+      <p:pic>
+        <p:nvPicPr>
+          <p:cNvPr id="5" name="그림 4"/>
+          <p:cNvPicPr>
+            <a:picLocks noChangeAspect="1"/>
+          </p:cNvPicPr>
+          <p:nvPr/>
+        </p:nvPicPr>
+        <p:blipFill>
+          <a:blip r:embed="rId2"/>
+          <a:stretch>
+            <a:fillRect/>
+          </a:stretch>
+        </p:blipFill>
+        <p:spPr>
+          <a:xfrm>
+            <a:off x="1193862" y="1833372"/>
+            <a:ext cx="6596825" cy="4120938"/>
+          </a:xfrm>
+          <a:prstGeom prst="rect">
+            <a:avLst/>
+          </a:prstGeom>
+        </p:spPr>
+      </p:pic>
+    </p:spTree>
+    <p:extLst>
+      <p:ext uri="{BB962C8B-B14F-4D97-AF65-F5344CB8AC3E}">
+        <p14:creationId xmlns:p14="http://schemas.microsoft.com/office/powerpoint/2010/main" val="2943405408"/>
+      </p:ext>
+    </p:extLst>
+  </p:cSld>
+  <p:clrMapOvr>
+    <a:masterClrMapping/>
+  </p:clrMapOvr>
+</p:sld>
+</file>
+
 <file path=ppt/slides/slide3.xml><?xml version="1.0" encoding="utf-8"?>
 <p:sld xmlns:a="http://schemas.openxmlformats.org/drawingml/2006/main" xmlns:r="http://schemas.openxmlformats.org/officeDocument/2006/relationships" xmlns:p="http://schemas.openxmlformats.org/presentationml/2006/main">
   <p:cSld>
@@ -5266,7 +7721,7 @@
             </a:r>
             <a:r>
               <a:rPr lang="ko-KR" altLang="en-US" dirty="0" smtClean="0"/>
-              <a:t>응용 프로그램</a:t>
+              <a:t>쓸 줄 알기</a:t>
             </a:r>
             <a:endParaRPr lang="en-US" altLang="ko-KR" dirty="0" smtClean="0"/>
           </a:p>
@@ -5334,7 +7789,283 @@
 </p:sld>
 </file>
 
+<file path=ppt/slides/slide30.xml><?xml version="1.0" encoding="utf-8"?>
+<p:sld xmlns:a="http://schemas.openxmlformats.org/drawingml/2006/main" xmlns:r="http://schemas.openxmlformats.org/officeDocument/2006/relationships" xmlns:p="http://schemas.openxmlformats.org/presentationml/2006/main">
+  <p:cSld>
+    <p:spTree>
+      <p:nvGrpSpPr>
+        <p:cNvPr id="1" name=""/>
+        <p:cNvGrpSpPr/>
+        <p:nvPr/>
+      </p:nvGrpSpPr>
+      <p:grpSpPr>
+        <a:xfrm>
+          <a:off x="0" y="0"/>
+          <a:ext cx="0" cy="0"/>
+          <a:chOff x="0" y="0"/>
+          <a:chExt cx="0" cy="0"/>
+        </a:xfrm>
+      </p:grpSpPr>
+      <p:sp>
+        <p:nvSpPr>
+          <p:cNvPr id="2" name="제목 1"/>
+          <p:cNvSpPr>
+            <a:spLocks noGrp="1"/>
+          </p:cNvSpPr>
+          <p:nvPr>
+            <p:ph type="title"/>
+          </p:nvPr>
+        </p:nvSpPr>
+        <p:spPr/>
+        <p:txBody>
+          <a:bodyPr/>
+          <a:lstStyle/>
+          <a:p>
+            <a:r>
+              <a:rPr lang="ko-KR" altLang="en-US" dirty="0" smtClean="0"/>
+              <a:t>마지막으로</a:t>
+            </a:r>
+            <a:endParaRPr lang="ko-KR" altLang="en-US" dirty="0"/>
+          </a:p>
+        </p:txBody>
+      </p:sp>
+      <p:sp>
+        <p:nvSpPr>
+          <p:cNvPr id="3" name="내용 개체 틀 2"/>
+          <p:cNvSpPr>
+            <a:spLocks noGrp="1"/>
+          </p:cNvSpPr>
+          <p:nvPr>
+            <p:ph idx="1"/>
+          </p:nvPr>
+        </p:nvSpPr>
+        <p:spPr/>
+        <p:txBody>
+          <a:bodyPr/>
+          <a:lstStyle/>
+          <a:p>
+            <a:r>
+              <a:rPr lang="ko-KR" altLang="en-US" dirty="0" err="1" smtClean="0"/>
+              <a:t>쉘</a:t>
+            </a:r>
+            <a:r>
+              <a:rPr lang="ko-KR" altLang="en-US" dirty="0" smtClean="0"/>
+              <a:t> 스크립트를 이용하여 구구단을 출력한다</a:t>
+            </a:r>
+            <a:r>
+              <a:rPr lang="en-US" altLang="ko-KR" dirty="0" smtClean="0"/>
+              <a:t>. </a:t>
+            </a:r>
+            <a:r>
+              <a:rPr lang="ko-KR" altLang="en-US" dirty="0" smtClean="0"/>
+              <a:t>단 </a:t>
+            </a:r>
+            <a:r>
+              <a:rPr lang="en-US" altLang="ko-KR" dirty="0" smtClean="0"/>
+              <a:t>3</a:t>
+            </a:r>
+            <a:r>
+              <a:rPr lang="ko-KR" altLang="en-US" dirty="0" smtClean="0"/>
+              <a:t>의 배수는 같은 줄에 </a:t>
+            </a:r>
+            <a:r>
+              <a:rPr lang="en-US" altLang="ko-KR" dirty="0" smtClean="0"/>
+              <a:t>369 369</a:t>
+            </a:r>
+            <a:r>
+              <a:rPr lang="ko-KR" altLang="en-US" dirty="0" smtClean="0"/>
+              <a:t>를 출력하여 </a:t>
+            </a:r>
+            <a:r>
+              <a:rPr lang="en-US" altLang="ko-KR" dirty="0" smtClean="0"/>
+              <a:t>grep</a:t>
+            </a:r>
+            <a:r>
+              <a:rPr lang="ko-KR" altLang="en-US" dirty="0" smtClean="0"/>
+              <a:t>으로 잡아 </a:t>
+            </a:r>
+            <a:r>
+              <a:rPr lang="en-US" altLang="ko-KR" dirty="0" smtClean="0"/>
+              <a:t>ex1.txt</a:t>
+            </a:r>
+            <a:r>
+              <a:rPr lang="ko-KR" altLang="en-US" dirty="0" smtClean="0"/>
+              <a:t>에 저장한다</a:t>
+            </a:r>
+            <a:endParaRPr lang="en-US" altLang="ko-KR" dirty="0"/>
+          </a:p>
+          <a:p>
+            <a:endParaRPr lang="en-US" altLang="ko-KR" dirty="0" smtClean="0"/>
+          </a:p>
+          <a:p>
+            <a:r>
+              <a:rPr lang="en-US" altLang="ko-KR" dirty="0" smtClean="0"/>
+              <a:t>Ex) 2 * 1 = 3</a:t>
+            </a:r>
+            <a:br>
+              <a:rPr lang="en-US" altLang="ko-KR" dirty="0" smtClean="0"/>
+            </a:br>
+            <a:r>
+              <a:rPr lang="en-US" altLang="ko-KR" dirty="0" smtClean="0"/>
+              <a:t>3 * 4 = 12 369 369 (| grep “369”)</a:t>
+            </a:r>
+            <a:br>
+              <a:rPr lang="en-US" altLang="ko-KR" dirty="0" smtClean="0"/>
+            </a:br>
+            <a:r>
+              <a:rPr lang="en-US" altLang="ko-KR" dirty="0" smtClean="0"/>
+              <a:t/>
+            </a:r>
+            <a:br>
+              <a:rPr lang="en-US" altLang="ko-KR" dirty="0" smtClean="0"/>
+            </a:br>
+            <a:endParaRPr lang="en-US" altLang="ko-KR" dirty="0" smtClean="0"/>
+          </a:p>
+          <a:p>
+            <a:r>
+              <a:rPr lang="ko-KR" altLang="en-US" dirty="0" smtClean="0"/>
+              <a:t>명령어 </a:t>
+            </a:r>
+            <a:r>
+              <a:rPr lang="en-US" altLang="ko-KR" dirty="0" smtClean="0"/>
+              <a:t>tee</a:t>
+            </a:r>
+            <a:r>
+              <a:rPr lang="ko-KR" altLang="en-US" dirty="0" smtClean="0"/>
+              <a:t>를 이용한다</a:t>
+            </a:r>
+            <a:r>
+              <a:rPr lang="en-US" altLang="ko-KR" dirty="0" smtClean="0"/>
+              <a:t>. </a:t>
+            </a:r>
+            <a:r>
+              <a:rPr lang="en-US" altLang="ko-KR" dirty="0"/>
+              <a:t/>
+            </a:r>
+            <a:br>
+              <a:rPr lang="en-US" altLang="ko-KR" dirty="0"/>
+            </a:br>
+            <a:r>
+              <a:rPr lang="en-US" altLang="ko-KR" dirty="0" smtClean="0"/>
+              <a:t>Hint ) Command | tee /dev/</a:t>
+            </a:r>
+            <a:r>
+              <a:rPr lang="en-US" altLang="ko-KR" dirty="0" err="1" smtClean="0"/>
+              <a:t>stdout</a:t>
+            </a:r>
+            <a:r>
+              <a:rPr lang="ko-KR" altLang="en-US" dirty="0" smtClean="0"/>
+              <a:t> </a:t>
+            </a:r>
+            <a:r>
+              <a:rPr lang="en-US" altLang="ko-KR" dirty="0" smtClean="0"/>
+              <a:t>| command</a:t>
+            </a:r>
+            <a:br>
+              <a:rPr lang="en-US" altLang="ko-KR" dirty="0" smtClean="0"/>
+            </a:br>
+            <a:endParaRPr lang="en-US" altLang="ko-KR" dirty="0" smtClean="0"/>
+          </a:p>
+        </p:txBody>
+      </p:sp>
+    </p:spTree>
+    <p:extLst>
+      <p:ext uri="{BB962C8B-B14F-4D97-AF65-F5344CB8AC3E}">
+        <p14:creationId xmlns:p14="http://schemas.microsoft.com/office/powerpoint/2010/main" val="1927892641"/>
+      </p:ext>
+    </p:extLst>
+  </p:cSld>
+  <p:clrMapOvr>
+    <a:masterClrMapping/>
+  </p:clrMapOvr>
+</p:sld>
+</file>
+
 <file path=ppt/slides/slide4.xml><?xml version="1.0" encoding="utf-8"?>
+<p:sld xmlns:a="http://schemas.openxmlformats.org/drawingml/2006/main" xmlns:r="http://schemas.openxmlformats.org/officeDocument/2006/relationships" xmlns:p="http://schemas.openxmlformats.org/presentationml/2006/main">
+  <p:cSld>
+    <p:spTree>
+      <p:nvGrpSpPr>
+        <p:cNvPr id="1" name=""/>
+        <p:cNvGrpSpPr/>
+        <p:nvPr/>
+      </p:nvGrpSpPr>
+      <p:grpSpPr>
+        <a:xfrm>
+          <a:off x="0" y="0"/>
+          <a:ext cx="0" cy="0"/>
+          <a:chOff x="0" y="0"/>
+          <a:chExt cx="0" cy="0"/>
+        </a:xfrm>
+      </p:grpSpPr>
+      <p:sp>
+        <p:nvSpPr>
+          <p:cNvPr id="2" name="제목 1"/>
+          <p:cNvSpPr>
+            <a:spLocks noGrp="1"/>
+          </p:cNvSpPr>
+          <p:nvPr>
+            <p:ph type="title"/>
+          </p:nvPr>
+        </p:nvSpPr>
+        <p:spPr/>
+        <p:txBody>
+          <a:bodyPr/>
+          <a:lstStyle/>
+          <a:p>
+            <a:r>
+              <a:rPr lang="en-US" altLang="ko-KR" dirty="0" smtClean="0"/>
+              <a:t>5~17 page</a:t>
+            </a:r>
+            <a:endParaRPr lang="ko-KR" altLang="en-US" dirty="0"/>
+          </a:p>
+        </p:txBody>
+      </p:sp>
+      <p:sp>
+        <p:nvSpPr>
+          <p:cNvPr id="3" name="내용 개체 틀 2"/>
+          <p:cNvSpPr>
+            <a:spLocks noGrp="1"/>
+          </p:cNvSpPr>
+          <p:nvPr>
+            <p:ph idx="1"/>
+          </p:nvPr>
+        </p:nvSpPr>
+        <p:spPr/>
+        <p:txBody>
+          <a:bodyPr/>
+          <a:lstStyle/>
+          <a:p>
+            <a:r>
+              <a:rPr lang="en-US" altLang="ko-KR" dirty="0"/>
+              <a:t>5~17 </a:t>
+            </a:r>
+            <a:r>
+              <a:rPr lang="en-US" altLang="ko-KR" dirty="0" smtClean="0"/>
+              <a:t>page</a:t>
+            </a:r>
+            <a:r>
+              <a:rPr lang="ko-KR" altLang="en-US" dirty="0" smtClean="0"/>
+              <a:t>는 윈도우에서 본 수업을 진행하고자 한다면 참고바람</a:t>
+            </a:r>
+            <a:endParaRPr lang="ko-KR" altLang="en-US" dirty="0"/>
+          </a:p>
+        </p:txBody>
+      </p:sp>
+    </p:spTree>
+    <p:extLst>
+      <p:ext uri="{BB962C8B-B14F-4D97-AF65-F5344CB8AC3E}">
+        <p14:creationId xmlns:p14="http://schemas.microsoft.com/office/powerpoint/2010/main" val="3333542972"/>
+      </p:ext>
+    </p:extLst>
+  </p:cSld>
+  <p:clrMapOvr>
+    <a:masterClrMapping/>
+  </p:clrMapOvr>
+</p:sld>
+</file>
+
+<file path=ppt/slides/slide5.xml><?xml version="1.0" encoding="utf-8"?>
 <p:sld xmlns:a="http://schemas.openxmlformats.org/drawingml/2006/main" xmlns:r="http://schemas.openxmlformats.org/officeDocument/2006/relationships" xmlns:p="http://schemas.openxmlformats.org/presentationml/2006/main">
   <p:cSld>
     <p:spTree>
@@ -5513,7 +8244,7 @@
 </p:sld>
 </file>
 
-<file path=ppt/slides/slide5.xml><?xml version="1.0" encoding="utf-8"?>
+<file path=ppt/slides/slide6.xml><?xml version="1.0" encoding="utf-8"?>
 <p:sld xmlns:a="http://schemas.openxmlformats.org/drawingml/2006/main" xmlns:r="http://schemas.openxmlformats.org/officeDocument/2006/relationships" xmlns:p="http://schemas.openxmlformats.org/presentationml/2006/main">
   <p:cSld>
     <p:spTree>
@@ -5669,7 +8400,7 @@
 </p:sld>
 </file>
 
-<file path=ppt/slides/slide6.xml><?xml version="1.0" encoding="utf-8"?>
+<file path=ppt/slides/slide7.xml><?xml version="1.0" encoding="utf-8"?>
 <p:sld xmlns:a="http://schemas.openxmlformats.org/drawingml/2006/main" xmlns:r="http://schemas.openxmlformats.org/officeDocument/2006/relationships" xmlns:p="http://schemas.openxmlformats.org/presentationml/2006/main">
   <p:cSld>
     <p:spTree>
@@ -5842,7 +8573,7 @@
 </p:sld>
 </file>
 
-<file path=ppt/slides/slide7.xml><?xml version="1.0" encoding="utf-8"?>
+<file path=ppt/slides/slide8.xml><?xml version="1.0" encoding="utf-8"?>
 <p:sld xmlns:a="http://schemas.openxmlformats.org/drawingml/2006/main" xmlns:r="http://schemas.openxmlformats.org/officeDocument/2006/relationships" xmlns:p="http://schemas.openxmlformats.org/presentationml/2006/main">
   <p:cSld>
     <p:spTree>
@@ -5928,7 +8659,7 @@
 </p:sld>
 </file>
 
-<file path=ppt/slides/slide8.xml><?xml version="1.0" encoding="utf-8"?>
+<file path=ppt/slides/slide9.xml><?xml version="1.0" encoding="utf-8"?>
 <p:sld xmlns:a="http://schemas.openxmlformats.org/drawingml/2006/main" xmlns:r="http://schemas.openxmlformats.org/officeDocument/2006/relationships" xmlns:p="http://schemas.openxmlformats.org/presentationml/2006/main">
   <p:cSld>
     <p:spTree>
@@ -6005,92 +8736,6 @@
     <p:extLst>
       <p:ext uri="{BB962C8B-B14F-4D97-AF65-F5344CB8AC3E}">
         <p14:creationId xmlns:p14="http://schemas.microsoft.com/office/powerpoint/2010/main" val="2744865597"/>
-      </p:ext>
-    </p:extLst>
-  </p:cSld>
-  <p:clrMapOvr>
-    <a:masterClrMapping/>
-  </p:clrMapOvr>
-</p:sld>
-</file>
-
-<file path=ppt/slides/slide9.xml><?xml version="1.0" encoding="utf-8"?>
-<p:sld xmlns:a="http://schemas.openxmlformats.org/drawingml/2006/main" xmlns:r="http://schemas.openxmlformats.org/officeDocument/2006/relationships" xmlns:p="http://schemas.openxmlformats.org/presentationml/2006/main">
-  <p:cSld>
-    <p:spTree>
-      <p:nvGrpSpPr>
-        <p:cNvPr id="1" name=""/>
-        <p:cNvGrpSpPr/>
-        <p:nvPr/>
-      </p:nvGrpSpPr>
-      <p:grpSpPr>
-        <a:xfrm>
-          <a:off x="0" y="0"/>
-          <a:ext cx="0" cy="0"/>
-          <a:chOff x="0" y="0"/>
-          <a:chExt cx="0" cy="0"/>
-        </a:xfrm>
-      </p:grpSpPr>
-      <p:sp>
-        <p:nvSpPr>
-          <p:cNvPr id="2" name="제목 1"/>
-          <p:cNvSpPr>
-            <a:spLocks noGrp="1"/>
-          </p:cNvSpPr>
-          <p:nvPr>
-            <p:ph type="title"/>
-          </p:nvPr>
-        </p:nvSpPr>
-        <p:spPr/>
-        <p:txBody>
-          <a:bodyPr/>
-          <a:lstStyle/>
-          <a:p>
-            <a:r>
-              <a:rPr lang="en-US" altLang="ko-KR" dirty="0" err="1"/>
-              <a:t>MinGW</a:t>
-            </a:r>
-            <a:r>
-              <a:rPr lang="en-US" altLang="ko-KR" dirty="0"/>
-              <a:t> </a:t>
-            </a:r>
-            <a:r>
-              <a:rPr lang="ko-KR" altLang="en-US" dirty="0"/>
-              <a:t>설치</a:t>
-            </a:r>
-          </a:p>
-        </p:txBody>
-      </p:sp>
-      <p:pic>
-        <p:nvPicPr>
-          <p:cNvPr id="5" name="내용 개체 틀 4"/>
-          <p:cNvPicPr>
-            <a:picLocks noGrp="1" noChangeAspect="1"/>
-          </p:cNvPicPr>
-          <p:nvPr>
-            <p:ph idx="1"/>
-          </p:nvPr>
-        </p:nvPicPr>
-        <p:blipFill>
-          <a:blip r:embed="rId2"/>
-          <a:stretch>
-            <a:fillRect/>
-          </a:stretch>
-        </p:blipFill>
-        <p:spPr>
-          <a:xfrm>
-            <a:off x="1119187" y="1251744"/>
-            <a:ext cx="6905625" cy="4514850"/>
-          </a:xfrm>
-          <a:prstGeom prst="rect">
-            <a:avLst/>
-          </a:prstGeom>
-        </p:spPr>
-      </p:pic>
-    </p:spTree>
-    <p:extLst>
-      <p:ext uri="{BB962C8B-B14F-4D97-AF65-F5344CB8AC3E}">
-        <p14:creationId xmlns:p14="http://schemas.microsoft.com/office/powerpoint/2010/main" val="3757909070"/>
       </p:ext>
     </p:extLst>
   </p:cSld>
